--- a/Cpp11-Move semantics.pptx
+++ b/Cpp11-Move semantics.pptx
@@ -5196,6 +5196,98 @@
             <p:ph type="sldImg"/>
           </p:nvPr>
         </p:nvSpPr>
+        <p:spPr/>
+      </p:sp>
+      <p:sp>
+        <p:nvSpPr>
+          <p:cNvPr id="3" name="Notes Placeholder 2"/>
+          <p:cNvSpPr>
+            <a:spLocks noGrp="1"/>
+          </p:cNvSpPr>
+          <p:nvPr>
+            <p:ph type="body" idx="1"/>
+          </p:nvPr>
+        </p:nvSpPr>
+        <p:spPr/>
+        <p:txBody>
+          <a:bodyPr/>
+          <a:lstStyle/>
+          <a:p>
+            <a:r>
+              <a:rPr lang="en-US" dirty="0" smtClean="0"/>
+              <a:t>When testing to what</a:t>
+            </a:r>
+            <a:r>
+              <a:rPr lang="en-US" baseline="0" dirty="0" smtClean="0"/>
+              <a:t> happens, recall that the ‘as if’ rule has an exception to preserving side effects when elision (RVO) is involved.</a:t>
+            </a:r>
+            <a:endParaRPr lang="en-US" dirty="0"/>
+          </a:p>
+        </p:txBody>
+      </p:sp>
+      <p:sp>
+        <p:nvSpPr>
+          <p:cNvPr id="4" name="Slide Number Placeholder 3"/>
+          <p:cNvSpPr>
+            <a:spLocks noGrp="1"/>
+          </p:cNvSpPr>
+          <p:nvPr>
+            <p:ph type="sldNum" sz="quarter" idx="10"/>
+          </p:nvPr>
+        </p:nvSpPr>
+        <p:spPr/>
+        <p:txBody>
+          <a:bodyPr/>
+          <a:lstStyle/>
+          <a:p>
+            <a:fld id="{4CCCCCAD-044A-4E49-A471-629FF3FAA541}" type="slidenum">
+              <a:rPr lang="en-US" smtClean="0"/>
+              <a:t>27</a:t>
+            </a:fld>
+            <a:endParaRPr lang="en-US"/>
+          </a:p>
+        </p:txBody>
+      </p:sp>
+    </p:spTree>
+    <p:extLst>
+      <p:ext uri="{BB962C8B-B14F-4D97-AF65-F5344CB8AC3E}">
+        <p14:creationId xmlns:p14="http://schemas.microsoft.com/office/powerpoint/2010/main" val="3436717477"/>
+      </p:ext>
+    </p:extLst>
+  </p:cSld>
+  <p:clrMapOvr>
+    <a:masterClrMapping/>
+  </p:clrMapOvr>
+</p:notes>
+</file>
+
+<file path=ppt/notesSlides/notesSlide5.xml><?xml version="1.0" encoding="utf-8"?>
+<p:notes xmlns:a="http://schemas.openxmlformats.org/drawingml/2006/main" xmlns:r="http://schemas.openxmlformats.org/officeDocument/2006/relationships" xmlns:p="http://schemas.openxmlformats.org/presentationml/2006/main">
+  <p:cSld>
+    <p:spTree>
+      <p:nvGrpSpPr>
+        <p:cNvPr id="1" name=""/>
+        <p:cNvGrpSpPr/>
+        <p:nvPr/>
+      </p:nvGrpSpPr>
+      <p:grpSpPr>
+        <a:xfrm>
+          <a:off x="0" y="0"/>
+          <a:ext cx="0" cy="0"/>
+          <a:chOff x="0" y="0"/>
+          <a:chExt cx="0" cy="0"/>
+        </a:xfrm>
+      </p:grpSpPr>
+      <p:sp>
+        <p:nvSpPr>
+          <p:cNvPr id="2" name="Slide Image Placeholder 1"/>
+          <p:cNvSpPr>
+            <a:spLocks noGrp="1" noRot="1" noChangeAspect="1"/>
+          </p:cNvSpPr>
+          <p:nvPr>
+            <p:ph type="sldImg"/>
+          </p:nvPr>
+        </p:nvSpPr>
         <p:spPr>
           <a:xfrm>
             <a:off x="685800" y="1143000"/>
@@ -14080,15 +14172,7 @@
           <a:p>
             <a:r>
               <a:rPr lang="en-US" smtClean="0"/>
-              <a:t>C</a:t>
-            </a:r>
-            <a:r>
-              <a:rPr lang="en-US" smtClean="0"/>
-              <a:t>++11 </a:t>
-            </a:r>
-            <a:r>
-              <a:rPr lang="en-US" smtClean="0"/>
-              <a:t>Move Semantics</a:t>
+              <a:t>C++11 Move Semantics</a:t>
             </a:r>
             <a:endParaRPr lang="en-US"/>
           </a:p>
@@ -14229,45 +14313,20 @@
           <a:p>
             <a:r>
               <a:rPr lang="en-US" dirty="0" smtClean="0"/>
-              <a:t>Glvalues and rvalues can be xvalues (they </a:t>
+              <a:t>Glvalues and rvalues can be xvalues (they need to be addressable, literals like 3 are not addressable and cannot be xvalues).</a:t>
+            </a:r>
+          </a:p>
+          <a:p>
+            <a:r>
+              <a:rPr lang="en-US" sz="2400" b="1" dirty="0" smtClean="0">
+                <a:latin typeface="Courier New" panose="02070309020205020404" pitchFamily="49" charset="0"/>
+                <a:cs typeface="Courier New" panose="02070309020205020404" pitchFamily="49" charset="0"/>
+              </a:rPr>
+              <a:t>std::move(lvalue)</a:t>
             </a:r>
             <a:r>
               <a:rPr lang="en-US" dirty="0" smtClean="0"/>
-              <a:t>need </a:t>
-            </a:r>
-            <a:r>
-              <a:rPr lang="en-US" dirty="0" smtClean="0"/>
-              <a:t>to be addressable, </a:t>
-            </a:r>
-            <a:r>
-              <a:rPr lang="en-US" dirty="0" smtClean="0"/>
-              <a:t>literals </a:t>
-            </a:r>
-            <a:r>
-              <a:rPr lang="en-US" dirty="0" smtClean="0"/>
-              <a:t>like 3 are </a:t>
-            </a:r>
-            <a:r>
-              <a:rPr lang="en-US" dirty="0" smtClean="0"/>
-              <a:t>not addressable and cannot be xvalues).</a:t>
-            </a:r>
-            <a:endParaRPr lang="en-US" dirty="0" smtClean="0"/>
-          </a:p>
-          <a:p>
-            <a:r>
-              <a:rPr lang="en-US" sz="2400" b="1" dirty="0" smtClean="0">
-                <a:latin typeface="Courier New" panose="02070309020205020404" pitchFamily="49" charset="0"/>
-                <a:cs typeface="Courier New" panose="02070309020205020404" pitchFamily="49" charset="0"/>
-              </a:rPr>
-              <a:t>std::move(lvalue)</a:t>
-            </a:r>
-            <a:r>
-              <a:rPr lang="en-US" dirty="0" smtClean="0"/>
-              <a:t> transforms an lvalue into an </a:t>
-            </a:r>
-            <a:r>
-              <a:rPr lang="en-US" dirty="0" smtClean="0"/>
-              <a:t>xvalue</a:t>
+              <a:t> transforms an lvalue into an xvalue</a:t>
             </a:r>
             <a:r>
               <a:rPr lang="en-US" dirty="0"/>
@@ -14413,14 +14472,7 @@
                 <a:latin typeface="Courier New" panose="02070309020205020404" pitchFamily="49" charset="0"/>
                 <a:cs typeface="Courier New" panose="02070309020205020404" pitchFamily="49" charset="0"/>
               </a:rPr>
-              <a:t>();  	</a:t>
-            </a:r>
-            <a:r>
-              <a:rPr lang="en-US" sz="2400" b="1" dirty="0" smtClean="0">
-                <a:latin typeface="Courier New" panose="02070309020205020404" pitchFamily="49" charset="0"/>
-                <a:cs typeface="Courier New" panose="02070309020205020404" pitchFamily="49" charset="0"/>
-              </a:rPr>
-              <a:t>//Problem</a:t>
+              <a:t>();  	//Problem</a:t>
             </a:r>
             <a:endParaRPr lang="en-US" sz="2400" b="1" dirty="0">
               <a:latin typeface="Courier New" panose="02070309020205020404" pitchFamily="49" charset="0"/>
@@ -14600,27 +14652,7 @@
           <a:p>
             <a:r>
               <a:rPr lang="en-US" dirty="0" smtClean="0"/>
-              <a:t>RVO: Will only happen once if the </a:t>
-            </a:r>
-            <a:r>
-              <a:rPr lang="en-US" dirty="0" smtClean="0"/>
-              <a:t>function </a:t>
-            </a:r>
-            <a:r>
-              <a:rPr lang="en-US" dirty="0" smtClean="0"/>
-              <a:t>is taking and passing the same foo, </a:t>
-            </a:r>
-            <a:r>
-              <a:rPr lang="en-US" dirty="0" smtClean="0"/>
-              <a:t>one </a:t>
-            </a:r>
-            <a:r>
-              <a:rPr lang="en-US" dirty="0" smtClean="0"/>
-              <a:t>extra copy will result without move </a:t>
-            </a:r>
-            <a:r>
-              <a:rPr lang="en-US" dirty="0" smtClean="0"/>
-              <a:t>semantics.</a:t>
+              <a:t>RVO: Will only happen once if the function is taking and passing the same foo, one extra copy will result without move semantics.</a:t>
             </a:r>
             <a:endParaRPr lang="en-US" sz="2400" b="1" dirty="0">
               <a:latin typeface="Courier New" panose="02070309020205020404" pitchFamily="49" charset="0"/>
@@ -15222,14 +15254,7 @@
                 <a:latin typeface="Courier New" panose="02070309020205020404" pitchFamily="49" charset="0"/>
                 <a:cs typeface="Courier New" panose="02070309020205020404" pitchFamily="49" charset="0"/>
               </a:rPr>
-              <a:t>hrow</a:t>
-            </a:r>
-            <a:r>
-              <a:rPr lang="en-US" b="1" dirty="0" smtClean="0">
-                <a:latin typeface="Courier New" panose="02070309020205020404" pitchFamily="49" charset="0"/>
-                <a:cs typeface="Courier New" panose="02070309020205020404" pitchFamily="49" charset="0"/>
-              </a:rPr>
-              <a:t>()</a:t>
+              <a:t>hrow()</a:t>
             </a:r>
             <a:r>
               <a:rPr lang="en-US" dirty="0" smtClean="0"/>
@@ -15237,8 +15262,9 @@
             </a:r>
             <a:r>
               <a:rPr lang="en-US" dirty="0" smtClean="0"/>
-              <a:t>depreciated</a:t>
-            </a:r>
+              <a:t>deprecated</a:t>
+            </a:r>
+            <a:endParaRPr lang="en-US" dirty="0" smtClean="0"/>
           </a:p>
           <a:p>
             <a:pPr lvl="1"/>
@@ -15265,15 +15291,7 @@
             <a:pPr lvl="1"/>
             <a:r>
               <a:rPr lang="en-US" dirty="0" smtClean="0"/>
-              <a:t>Movable </a:t>
-            </a:r>
-            <a:r>
-              <a:rPr lang="en-US" dirty="0" smtClean="0"/>
-              <a:t>objects </a:t>
-            </a:r>
-            <a:r>
-              <a:rPr lang="en-US" dirty="0" smtClean="0"/>
-              <a:t>should be </a:t>
+              <a:t>Movable objects should be </a:t>
             </a:r>
             <a:r>
               <a:rPr lang="en-US" b="1" dirty="0" smtClean="0">
@@ -15282,10 +15300,6 @@
               </a:rPr>
               <a:t>noexcept</a:t>
             </a:r>
-            <a:endParaRPr lang="en-US" b="1" dirty="0" smtClean="0">
-              <a:latin typeface="Courier New" panose="02070309020205020404" pitchFamily="49" charset="0"/>
-              <a:cs typeface="Courier New" panose="02070309020205020404" pitchFamily="49" charset="0"/>
-            </a:endParaRPr>
           </a:p>
           <a:p>
             <a:pPr lvl="1"/>
@@ -15602,7 +15616,28 @@
                 <a:latin typeface="Courier New" panose="02070309020205020404" pitchFamily="49" charset="0"/>
                 <a:cs typeface="Courier New" panose="02070309020205020404" pitchFamily="49" charset="0"/>
               </a:rPr>
-              <a:t>    { return T&amp;&amp; t; }</a:t>
+              <a:t>    { return </a:t>
+            </a:r>
+            <a:r>
+              <a:rPr lang="en-US" sz="2400" b="1" dirty="0" smtClean="0">
+                <a:latin typeface="Courier New" panose="02070309020205020404" pitchFamily="49" charset="0"/>
+                <a:cs typeface="Courier New" panose="02070309020205020404" pitchFamily="49" charset="0"/>
+              </a:rPr>
+              <a:t>static_cast&lt;</a:t>
+            </a:r>
+            <a:r>
+              <a:rPr lang="en-US" sz="2400" b="1" dirty="0" smtClean="0">
+                <a:latin typeface="Courier New" panose="02070309020205020404" pitchFamily="49" charset="0"/>
+                <a:cs typeface="Courier New" panose="02070309020205020404" pitchFamily="49" charset="0"/>
+              </a:rPr>
+              <a:t>T&amp;&amp;&gt;(t); </a:t>
+            </a:r>
+            <a:r>
+              <a:rPr lang="en-US" sz="2400" b="1" dirty="0" smtClean="0">
+                <a:latin typeface="Courier New" panose="02070309020205020404" pitchFamily="49" charset="0"/>
+                <a:cs typeface="Courier New" panose="02070309020205020404" pitchFamily="49" charset="0"/>
+              </a:rPr>
+              <a:t>}</a:t>
             </a:r>
           </a:p>
           <a:p>
@@ -15626,14 +15661,7 @@
                 <a:latin typeface="Courier New" panose="02070309020205020404" pitchFamily="49" charset="0"/>
                 <a:cs typeface="Courier New" panose="02070309020205020404" pitchFamily="49" charset="0"/>
               </a:rPr>
-              <a:t>//Fails </a:t>
-            </a:r>
-            <a:r>
-              <a:rPr lang="en-US" sz="2400" b="1" dirty="0" smtClean="0">
-                <a:latin typeface="Courier New" panose="02070309020205020404" pitchFamily="49" charset="0"/>
-                <a:cs typeface="Courier New" panose="02070309020205020404" pitchFamily="49" charset="0"/>
-              </a:rPr>
-              <a:t>with T&amp; due to reference collapsing</a:t>
+              <a:t>//Fails with T&amp; due to reference collapsing</a:t>
             </a:r>
           </a:p>
         </p:txBody>
@@ -15841,40 +15869,41 @@
                 <a:latin typeface="Courier New" panose="02070309020205020404" pitchFamily="49" charset="0"/>
                 <a:cs typeface="Courier New" panose="02070309020205020404" pitchFamily="49" charset="0"/>
               </a:rPr>
-              <a:t> </a:t>
-            </a:r>
+              <a:t> std</a:t>
+            </a:r>
+            <a:r>
+              <a:rPr lang="fr-FR" sz="2400" b="1" dirty="0">
+                <a:latin typeface="Courier New" panose="02070309020205020404" pitchFamily="49" charset="0"/>
+                <a:cs typeface="Courier New" panose="02070309020205020404" pitchFamily="49" charset="0"/>
+              </a:rPr>
+              <a:t>::remove_reference&lt;_</a:t>
+            </a:r>
+            <a:r>
+              <a:rPr lang="fr-FR" sz="2400" b="1" dirty="0" err="1">
+                <a:latin typeface="Courier New" panose="02070309020205020404" pitchFamily="49" charset="0"/>
+                <a:cs typeface="Courier New" panose="02070309020205020404" pitchFamily="49" charset="0"/>
+              </a:rPr>
+              <a:t>Tp</a:t>
+            </a:r>
+            <a:r>
+              <a:rPr lang="fr-FR" sz="2400" b="1" dirty="0">
+                <a:latin typeface="Courier New" panose="02070309020205020404" pitchFamily="49" charset="0"/>
+                <a:cs typeface="Courier New" panose="02070309020205020404" pitchFamily="49" charset="0"/>
+              </a:rPr>
+              <a:t>&gt;::type&amp;&amp;&gt;(__t); </a:t>
+            </a:r>
+          </a:p>
+          <a:p>
+            <a:pPr marL="0" indent="0">
+              <a:buNone/>
+            </a:pPr>
             <a:r>
               <a:rPr lang="fr-FR" sz="2400" b="1" dirty="0" smtClean="0">
                 <a:latin typeface="Courier New" panose="02070309020205020404" pitchFamily="49" charset="0"/>
                 <a:cs typeface="Courier New" panose="02070309020205020404" pitchFamily="49" charset="0"/>
               </a:rPr>
-              <a:t>std</a:t>
-            </a:r>
-            <a:r>
-              <a:rPr lang="fr-FR" sz="2400" b="1" dirty="0">
-                <a:latin typeface="Courier New" panose="02070309020205020404" pitchFamily="49" charset="0"/>
-                <a:cs typeface="Courier New" panose="02070309020205020404" pitchFamily="49" charset="0"/>
-              </a:rPr>
-              <a:t>::remove_reference&lt;_</a:t>
-            </a:r>
-            <a:r>
-              <a:rPr lang="fr-FR" sz="2400" b="1" dirty="0" err="1">
-                <a:latin typeface="Courier New" panose="02070309020205020404" pitchFamily="49" charset="0"/>
-                <a:cs typeface="Courier New" panose="02070309020205020404" pitchFamily="49" charset="0"/>
-              </a:rPr>
-              <a:t>Tp</a:t>
-            </a:r>
-            <a:r>
-              <a:rPr lang="fr-FR" sz="2400" b="1" dirty="0">
-                <a:latin typeface="Courier New" panose="02070309020205020404" pitchFamily="49" charset="0"/>
-                <a:cs typeface="Courier New" panose="02070309020205020404" pitchFamily="49" charset="0"/>
-              </a:rPr>
-              <a:t>&gt;::type&amp;&amp;&gt;(__t); </a:t>
-            </a:r>
-            <a:endParaRPr lang="fr-FR" sz="2400" b="1" dirty="0">
-              <a:latin typeface="Courier New" panose="02070309020205020404" pitchFamily="49" charset="0"/>
-              <a:cs typeface="Courier New" panose="02070309020205020404" pitchFamily="49" charset="0"/>
-            </a:endParaRPr>
+              <a:t>}</a:t>
+            </a:r>
           </a:p>
           <a:p>
             <a:pPr marL="0" indent="0">
@@ -15885,30 +15914,7 @@
                 <a:latin typeface="Courier New" panose="02070309020205020404" pitchFamily="49" charset="0"/>
                 <a:cs typeface="Courier New" panose="02070309020205020404" pitchFamily="49" charset="0"/>
               </a:rPr>
-              <a:t>}</a:t>
-            </a:r>
-            <a:endParaRPr lang="fr-FR" sz="2400" b="1" dirty="0" smtClean="0">
-              <a:latin typeface="Courier New" panose="02070309020205020404" pitchFamily="49" charset="0"/>
-              <a:cs typeface="Courier New" panose="02070309020205020404" pitchFamily="49" charset="0"/>
-            </a:endParaRPr>
-          </a:p>
-          <a:p>
-            <a:pPr marL="0" indent="0">
-              <a:buNone/>
-            </a:pPr>
-            <a:r>
-              <a:rPr lang="fr-FR" sz="2400" b="1" dirty="0" smtClean="0">
-                <a:latin typeface="Courier New" panose="02070309020205020404" pitchFamily="49" charset="0"/>
-                <a:cs typeface="Courier New" panose="02070309020205020404" pitchFamily="49" charset="0"/>
-              </a:rPr>
-              <a:t>//</a:t>
-            </a:r>
-            <a:r>
-              <a:rPr lang="fr-FR" sz="2400" b="1" dirty="0" smtClean="0">
-                <a:latin typeface="Courier New" panose="02070309020205020404" pitchFamily="49" charset="0"/>
-                <a:cs typeface="Courier New" panose="02070309020205020404" pitchFamily="49" charset="0"/>
-              </a:rPr>
-              <a:t>remove</a:t>
+              <a:t>//remove</a:t>
             </a:r>
             <a:r>
               <a:rPr lang="fr-FR" sz="2400" b="1" dirty="0">
@@ -16033,138 +16039,129 @@
           <a:lstStyle/>
           <a:p>
             <a:r>
-              <a:rPr lang="en-US" smtClean="0"/>
+              <a:rPr lang="en-US" dirty="0" smtClean="0"/>
               <a:t>Compilers support C++11 to varying degrees.</a:t>
             </a:r>
           </a:p>
           <a:p>
             <a:r>
-              <a:rPr lang="en-US" sz="2400"/>
+              <a:rPr lang="en-US" sz="2400" dirty="0"/>
               <a:t> </a:t>
             </a:r>
             <a:r>
-              <a:rPr lang="en-US" sz="2400" err="1" smtClean="0"/>
+              <a:rPr lang="en-US" sz="2400" dirty="0" err="1" smtClean="0"/>
               <a:t>gcc</a:t>
             </a:r>
             <a:r>
-              <a:rPr lang="en-US" sz="2400" smtClean="0"/>
+              <a:rPr lang="en-US" sz="2400" dirty="0" smtClean="0"/>
               <a:t>: </a:t>
             </a:r>
             <a:r>
-              <a:rPr lang="en-US" sz="2400" b="1" smtClean="0">
-                <a:latin typeface="Courier New" panose="02070309020205020404" pitchFamily="49" charset="0"/>
-                <a:cs typeface="Courier New" panose="02070309020205020404" pitchFamily="49" charset="0"/>
-              </a:rPr>
-              <a:t>-</a:t>
-            </a:r>
-            <a:r>
-              <a:rPr lang="en-US" sz="2400" b="1" err="1" smtClean="0">
-                <a:latin typeface="Courier New" panose="02070309020205020404" pitchFamily="49" charset="0"/>
-                <a:cs typeface="Courier New" panose="02070309020205020404" pitchFamily="49" charset="0"/>
-              </a:rPr>
-              <a:t>std</a:t>
-            </a:r>
-            <a:r>
-              <a:rPr lang="en-US" sz="2400" b="1" smtClean="0">
-                <a:latin typeface="Courier New" panose="02070309020205020404" pitchFamily="49" charset="0"/>
-                <a:cs typeface="Courier New" panose="02070309020205020404" pitchFamily="49" charset="0"/>
-              </a:rPr>
-              <a:t>=</a:t>
-            </a:r>
-            <a:r>
-              <a:rPr lang="en-US" sz="2400" b="1" err="1" smtClean="0">
+              <a:rPr lang="en-US" sz="2400" b="1" dirty="0" smtClean="0">
+                <a:latin typeface="Courier New" panose="02070309020205020404" pitchFamily="49" charset="0"/>
+                <a:cs typeface="Courier New" panose="02070309020205020404" pitchFamily="49" charset="0"/>
+              </a:rPr>
+              <a:t>-std=</a:t>
+            </a:r>
+            <a:r>
+              <a:rPr lang="en-US" sz="2400" b="1" dirty="0" err="1" smtClean="0">
                 <a:latin typeface="Courier New" panose="02070309020205020404" pitchFamily="49" charset="0"/>
                 <a:cs typeface="Courier New" panose="02070309020205020404" pitchFamily="49" charset="0"/>
               </a:rPr>
               <a:t>c++</a:t>
             </a:r>
             <a:r>
-              <a:rPr lang="en-US" sz="2400" b="1" smtClean="0">
+              <a:rPr lang="en-US" sz="2400" b="1" dirty="0" smtClean="0">
                 <a:latin typeface="Courier New" panose="02070309020205020404" pitchFamily="49" charset="0"/>
                 <a:cs typeface="Courier New" panose="02070309020205020404" pitchFamily="49" charset="0"/>
               </a:rPr>
               <a:t>0x</a:t>
             </a:r>
             <a:r>
-              <a:rPr lang="en-US" smtClean="0"/>
+              <a:rPr lang="en-US" dirty="0" smtClean="0"/>
               <a:t> enables C++11</a:t>
             </a:r>
           </a:p>
           <a:p>
             <a:pPr lvl="1"/>
             <a:r>
-              <a:rPr lang="en-US" b="1" smtClean="0">
+              <a:rPr lang="en-US" b="1" dirty="0" smtClean="0">
                 <a:latin typeface="Courier New" panose="02070309020205020404" pitchFamily="49" charset="0"/>
                 <a:cs typeface="Courier New" panose="02070309020205020404" pitchFamily="49" charset="0"/>
               </a:rPr>
               <a:t>-std=gnu++0x</a:t>
             </a:r>
             <a:r>
-              <a:rPr lang="en-US" smtClean="0"/>
+              <a:rPr lang="en-US" dirty="0" smtClean="0"/>
               <a:t> works too (gnu specific extensions, not covered here)</a:t>
             </a:r>
           </a:p>
           <a:p>
             <a:pPr lvl="1"/>
             <a:r>
-              <a:rPr lang="en-US" b="1" smtClean="0">
+              <a:rPr lang="en-US" b="1" dirty="0" smtClean="0">
                 <a:latin typeface="Courier New" panose="02070309020205020404" pitchFamily="49" charset="0"/>
                 <a:cs typeface="Courier New" panose="02070309020205020404" pitchFamily="49" charset="0"/>
               </a:rPr>
               <a:t>-std=</a:t>
             </a:r>
             <a:r>
-              <a:rPr lang="en-US" b="1" err="1" smtClean="0">
+              <a:rPr lang="en-US" b="1" dirty="0" err="1" smtClean="0">
                 <a:latin typeface="Courier New" panose="02070309020205020404" pitchFamily="49" charset="0"/>
                 <a:cs typeface="Courier New" panose="02070309020205020404" pitchFamily="49" charset="0"/>
               </a:rPr>
               <a:t>c++</a:t>
             </a:r>
             <a:r>
-              <a:rPr lang="en-US" b="1" smtClean="0">
+              <a:rPr lang="en-US" b="1" dirty="0" smtClean="0">
                 <a:latin typeface="Courier New" panose="02070309020205020404" pitchFamily="49" charset="0"/>
                 <a:cs typeface="Courier New" panose="02070309020205020404" pitchFamily="49" charset="0"/>
               </a:rPr>
               <a:t>11</a:t>
             </a:r>
             <a:r>
-              <a:rPr lang="en-US" smtClean="0"/>
+              <a:rPr lang="en-US" dirty="0" smtClean="0"/>
               <a:t> for later version (though </a:t>
             </a:r>
             <a:r>
-              <a:rPr lang="en-US" err="1" smtClean="0"/>
+              <a:rPr lang="en-US" dirty="0" err="1" smtClean="0"/>
               <a:t>c++</a:t>
             </a:r>
             <a:r>
-              <a:rPr lang="en-US" smtClean="0"/>
+              <a:rPr lang="en-US" dirty="0" smtClean="0"/>
               <a:t>0x should work)</a:t>
             </a:r>
           </a:p>
           <a:p>
             <a:r>
-              <a:rPr lang="en-US" smtClean="0"/>
-              <a:t>clang: -</a:t>
-            </a:r>
-            <a:r>
-              <a:rPr lang="en-US" err="1" smtClean="0"/>
-              <a:t>std</a:t>
-            </a:r>
-            <a:r>
-              <a:rPr lang="en-US" smtClean="0"/>
-              <a:t>=</a:t>
-            </a:r>
-            <a:r>
-              <a:rPr lang="en-US" err="1" smtClean="0"/>
+              <a:rPr lang="en-US" dirty="0" smtClean="0"/>
+              <a:t>clang: </a:t>
+            </a:r>
+            <a:r>
+              <a:rPr lang="en-US" sz="2400" b="1" dirty="0" smtClean="0">
+                <a:latin typeface="Courier New" panose="02070309020205020404" pitchFamily="49" charset="0"/>
+                <a:cs typeface="Courier New" panose="02070309020205020404" pitchFamily="49" charset="0"/>
+              </a:rPr>
+              <a:t>-std=</a:t>
+            </a:r>
+            <a:r>
+              <a:rPr lang="en-US" sz="2400" b="1" dirty="0" err="1" smtClean="0">
+                <a:latin typeface="Courier New" panose="02070309020205020404" pitchFamily="49" charset="0"/>
+                <a:cs typeface="Courier New" panose="02070309020205020404" pitchFamily="49" charset="0"/>
+              </a:rPr>
               <a:t>c++</a:t>
             </a:r>
             <a:r>
-              <a:rPr lang="en-US" smtClean="0"/>
+              <a:rPr lang="en-US" sz="2400" b="1" dirty="0" smtClean="0">
+                <a:latin typeface="Courier New" panose="02070309020205020404" pitchFamily="49" charset="0"/>
+                <a:cs typeface="Courier New" panose="02070309020205020404" pitchFamily="49" charset="0"/>
+              </a:rPr>
               <a:t>11</a:t>
             </a:r>
           </a:p>
           <a:p>
             <a:r>
-              <a:rPr lang="en-US" smtClean="0"/>
+              <a:rPr lang="en-US" dirty="0" smtClean="0"/>
               <a:t>MSVC: C++11 supported features are enabled by default</a:t>
             </a:r>
           </a:p>
@@ -16240,11 +16237,7 @@
           <a:p>
             <a:r>
               <a:rPr lang="en-US" dirty="0" smtClean="0"/>
-              <a:t>If the type is move enabled then moves will happen instead of copies</a:t>
-            </a:r>
-            <a:r>
-              <a:rPr lang="en-US" dirty="0" smtClean="0"/>
-              <a:t>.</a:t>
+              <a:t>If the type is move enabled then moves will happen instead of copies.</a:t>
             </a:r>
           </a:p>
           <a:p>
@@ -16263,7 +16256,6 @@
               <a:rPr lang="en-US" dirty="0" smtClean="0"/>
               <a:t>) move happens via a memory copy.</a:t>
             </a:r>
-            <a:endParaRPr lang="en-US" dirty="0" smtClean="0"/>
           </a:p>
           <a:p>
             <a:pPr marL="0" indent="0">
@@ -16497,11 +16489,7 @@
           <a:p>
             <a:r>
               <a:rPr lang="en-US" dirty="0" smtClean="0"/>
-              <a:t>Class Move </a:t>
-            </a:r>
-            <a:r>
-              <a:rPr lang="en-US" dirty="0" smtClean="0"/>
-              <a:t>Implementation</a:t>
+              <a:t>Class Move Implementation</a:t>
             </a:r>
             <a:endParaRPr lang="en-US" dirty="0"/>
           </a:p>
@@ -16969,18 +16957,18 @@
               <a:buNone/>
             </a:pPr>
             <a:r>
-              <a:rPr lang="en-US" sz="2600" b="1" dirty="0" err="1" smtClean="0">
-                <a:latin typeface="Courier New" panose="02070309020205020404" pitchFamily="49" charset="0"/>
-                <a:cs typeface="Courier New" panose="02070309020205020404" pitchFamily="49" charset="0"/>
-              </a:rPr>
-              <a:t>Foo:Foo</a:t>
-            </a:r>
-            <a:r>
               <a:rPr lang="en-US" sz="2600" b="1" dirty="0" smtClean="0">
                 <a:latin typeface="Courier New" panose="02070309020205020404" pitchFamily="49" charset="0"/>
                 <a:cs typeface="Courier New" panose="02070309020205020404" pitchFamily="49" charset="0"/>
               </a:rPr>
-              <a:t>(Foo&amp;&amp; foo) </a:t>
+              <a:t>Foo::Foo(Foo</a:t>
+            </a:r>
+            <a:r>
+              <a:rPr lang="en-US" sz="2600" b="1" dirty="0" smtClean="0">
+                <a:latin typeface="Courier New" panose="02070309020205020404" pitchFamily="49" charset="0"/>
+                <a:cs typeface="Courier New" panose="02070309020205020404" pitchFamily="49" charset="0"/>
+              </a:rPr>
+              <a:t>&amp;&amp; foo) </a:t>
             </a:r>
             <a:r>
               <a:rPr lang="en-US" sz="2400" b="1" dirty="0">
@@ -17021,28 +17009,7 @@
                 <a:latin typeface="Courier New" panose="02070309020205020404" pitchFamily="49" charset="0"/>
                 <a:cs typeface="Courier New" panose="02070309020205020404" pitchFamily="49" charset="0"/>
               </a:rPr>
-              <a:t>std::move</a:t>
-            </a:r>
-            <a:r>
-              <a:rPr lang="en-US" sz="2600" b="1" dirty="0" smtClean="0">
-                <a:latin typeface="Courier New" panose="02070309020205020404" pitchFamily="49" charset="0"/>
-                <a:cs typeface="Courier New" panose="02070309020205020404" pitchFamily="49" charset="0"/>
-              </a:rPr>
-              <a:t>(foo)), </a:t>
-            </a:r>
-            <a:r>
-              <a:rPr lang="en-US" sz="2600" b="1" dirty="0" err="1" smtClean="0">
-                <a:latin typeface="Courier New" panose="02070309020205020404" pitchFamily="49" charset="0"/>
-                <a:cs typeface="Courier New" panose="02070309020205020404" pitchFamily="49" charset="0"/>
-              </a:rPr>
-              <a:t>sv</a:t>
-            </a:r>
-            <a:r>
-              <a:rPr lang="en-US" sz="2600" b="1" dirty="0" smtClean="0">
-                <a:latin typeface="Courier New" panose="02070309020205020404" pitchFamily="49" charset="0"/>
-                <a:cs typeface="Courier New" panose="02070309020205020404" pitchFamily="49" charset="0"/>
-              </a:rPr>
-              <a:t>(</a:t>
+              <a:t>std</a:t>
             </a:r>
             <a:r>
               <a:rPr lang="en-US" sz="2600" b="1" dirty="0" smtClean="0">
@@ -17052,21 +17019,55 @@
                 <a:latin typeface="Courier New" panose="02070309020205020404" pitchFamily="49" charset="0"/>
                 <a:cs typeface="Courier New" panose="02070309020205020404" pitchFamily="49" charset="0"/>
               </a:rPr>
-              <a:t>std::move</a:t>
+              <a:t>::move</a:t>
             </a:r>
             <a:r>
               <a:rPr lang="en-US" sz="2600" b="1" dirty="0" smtClean="0">
                 <a:latin typeface="Courier New" panose="02070309020205020404" pitchFamily="49" charset="0"/>
                 <a:cs typeface="Courier New" panose="02070309020205020404" pitchFamily="49" charset="0"/>
               </a:rPr>
+              <a:t>(foo)), </a:t>
+            </a:r>
+            <a:r>
+              <a:rPr lang="en-US" sz="2600" b="1" dirty="0" err="1" smtClean="0">
+                <a:latin typeface="Courier New" panose="02070309020205020404" pitchFamily="49" charset="0"/>
+                <a:cs typeface="Courier New" panose="02070309020205020404" pitchFamily="49" charset="0"/>
+              </a:rPr>
+              <a:t>sv</a:t>
+            </a:r>
+            <a:r>
+              <a:rPr lang="en-US" sz="2600" b="1" dirty="0" smtClean="0">
+                <a:latin typeface="Courier New" panose="02070309020205020404" pitchFamily="49" charset="0"/>
+                <a:cs typeface="Courier New" panose="02070309020205020404" pitchFamily="49" charset="0"/>
+              </a:rPr>
               <a:t>(</a:t>
             </a:r>
             <a:r>
-              <a:rPr lang="en-US" sz="2600" b="1" dirty="0" err="1" smtClean="0">
-                <a:latin typeface="Courier New" panose="02070309020205020404" pitchFamily="49" charset="0"/>
-                <a:cs typeface="Courier New" panose="02070309020205020404" pitchFamily="49" charset="0"/>
-              </a:rPr>
-              <a:t>sv</a:t>
+              <a:rPr lang="en-US" sz="2600" b="1" dirty="0" smtClean="0">
+                <a:solidFill>
+                  <a:srgbClr val="FF0000"/>
+                </a:solidFill>
+                <a:latin typeface="Courier New" panose="02070309020205020404" pitchFamily="49" charset="0"/>
+                <a:cs typeface="Courier New" panose="02070309020205020404" pitchFamily="49" charset="0"/>
+              </a:rPr>
+              <a:t>std::</a:t>
+            </a:r>
+            <a:r>
+              <a:rPr lang="en-US" sz="2600" b="1" dirty="0" smtClean="0">
+                <a:solidFill>
+                  <a:srgbClr val="FF0000"/>
+                </a:solidFill>
+                <a:latin typeface="Courier New" panose="02070309020205020404" pitchFamily="49" charset="0"/>
+                <a:cs typeface="Courier New" panose="02070309020205020404" pitchFamily="49" charset="0"/>
+              </a:rPr>
+              <a:t>move</a:t>
+            </a:r>
+            <a:r>
+              <a:rPr lang="en-US" sz="2600" b="1" dirty="0" smtClean="0">
+                <a:latin typeface="Courier New" panose="02070309020205020404" pitchFamily="49" charset="0"/>
+                <a:cs typeface="Courier New" panose="02070309020205020404" pitchFamily="49" charset="0"/>
+              </a:rPr>
+              <a:t>(foo.sv</a:t>
             </a:r>
             <a:r>
               <a:rPr lang="en-US" sz="2600" b="1" dirty="0" smtClean="0">
@@ -17197,21 +17198,54 @@
                 <a:latin typeface="Courier New" panose="02070309020205020404" pitchFamily="49" charset="0"/>
                 <a:cs typeface="Courier New" panose="02070309020205020404" pitchFamily="49" charset="0"/>
               </a:rPr>
-              <a:t>Foo&amp; operator(</a:t>
+              <a:t>Foo&amp; </a:t>
+            </a:r>
+            <a:r>
+              <a:rPr lang="en-US" sz="2400" b="1" dirty="0" smtClean="0">
+                <a:latin typeface="Courier New" panose="02070309020205020404" pitchFamily="49" charset="0"/>
+                <a:cs typeface="Courier New" panose="02070309020205020404" pitchFamily="49" charset="0"/>
+              </a:rPr>
+              <a:t>Foo::operator(const </a:t>
+            </a:r>
+            <a:r>
+              <a:rPr lang="en-US" sz="2400" b="1" dirty="0" smtClean="0">
+                <a:latin typeface="Courier New" panose="02070309020205020404" pitchFamily="49" charset="0"/>
+                <a:cs typeface="Courier New" panose="02070309020205020404" pitchFamily="49" charset="0"/>
+              </a:rPr>
+              <a:t>Foo&amp; rhs)= {</a:t>
+            </a:r>
+          </a:p>
+          <a:p>
+            <a:pPr marL="0" indent="0">
+              <a:buNone/>
+            </a:pPr>
+            <a:r>
+              <a:rPr lang="en-US" sz="2400" b="1" dirty="0">
+                <a:latin typeface="Courier New" panose="02070309020205020404" pitchFamily="49" charset="0"/>
+                <a:cs typeface="Courier New" panose="02070309020205020404" pitchFamily="49" charset="0"/>
+              </a:rPr>
+              <a:t> </a:t>
+            </a:r>
+            <a:r>
+              <a:rPr lang="en-US" sz="2400" b="1" dirty="0" smtClean="0">
+                <a:latin typeface="Courier New" panose="02070309020205020404" pitchFamily="49" charset="0"/>
+                <a:cs typeface="Courier New" panose="02070309020205020404" pitchFamily="49" charset="0"/>
+              </a:rPr>
+              <a:t> </a:t>
             </a:r>
             <a:r>
               <a:rPr lang="en-US" sz="2400" b="1" dirty="0" err="1" smtClean="0">
                 <a:latin typeface="Courier New" panose="02070309020205020404" pitchFamily="49" charset="0"/>
                 <a:cs typeface="Courier New" panose="02070309020205020404" pitchFamily="49" charset="0"/>
               </a:rPr>
-              <a:t>const</a:t>
+              <a:t>FooBase</a:t>
             </a:r>
             <a:r>
               <a:rPr lang="en-US" sz="2400" b="1" dirty="0" smtClean="0">
                 <a:latin typeface="Courier New" panose="02070309020205020404" pitchFamily="49" charset="0"/>
                 <a:cs typeface="Courier New" panose="02070309020205020404" pitchFamily="49" charset="0"/>
               </a:rPr>
-              <a:t> Foo&amp; rhs)= {</a:t>
+              <a:t>::operator=(rhs);</a:t>
             </a:r>
           </a:p>
           <a:p>
@@ -17219,32 +17253,25 @@
               <a:buNone/>
             </a:pPr>
             <a:r>
-              <a:rPr lang="en-US" sz="2400" b="1" dirty="0">
-                <a:latin typeface="Courier New" panose="02070309020205020404" pitchFamily="49" charset="0"/>
-                <a:cs typeface="Courier New" panose="02070309020205020404" pitchFamily="49" charset="0"/>
-              </a:rPr>
-              <a:t> </a:t>
-            </a:r>
-            <a:r>
               <a:rPr lang="en-US" sz="2400" b="1" dirty="0" smtClean="0">
                 <a:latin typeface="Courier New" panose="02070309020205020404" pitchFamily="49" charset="0"/>
                 <a:cs typeface="Courier New" panose="02070309020205020404" pitchFamily="49" charset="0"/>
               </a:rPr>
-              <a:t> </a:t>
+              <a:t>  </a:t>
             </a:r>
             <a:r>
               <a:rPr lang="en-US" sz="2400" b="1" dirty="0" err="1" smtClean="0">
                 <a:latin typeface="Courier New" panose="02070309020205020404" pitchFamily="49" charset="0"/>
                 <a:cs typeface="Courier New" panose="02070309020205020404" pitchFamily="49" charset="0"/>
               </a:rPr>
-              <a:t>FooBase</a:t>
+              <a:t>sv</a:t>
             </a:r>
             <a:r>
               <a:rPr lang="en-US" sz="2400" b="1" dirty="0" smtClean="0">
                 <a:latin typeface="Courier New" panose="02070309020205020404" pitchFamily="49" charset="0"/>
                 <a:cs typeface="Courier New" panose="02070309020205020404" pitchFamily="49" charset="0"/>
               </a:rPr>
-              <a:t>::operator=(rhs);</a:t>
+              <a:t> = rhs.sv;</a:t>
             </a:r>
           </a:p>
           <a:p>
@@ -17256,21 +17283,19 @@
                 <a:latin typeface="Courier New" panose="02070309020205020404" pitchFamily="49" charset="0"/>
                 <a:cs typeface="Courier New" panose="02070309020205020404" pitchFamily="49" charset="0"/>
               </a:rPr>
-              <a:t>  </a:t>
-            </a:r>
-            <a:r>
-              <a:rPr lang="en-US" sz="2400" b="1" dirty="0" err="1" smtClean="0">
-                <a:latin typeface="Courier New" panose="02070309020205020404" pitchFamily="49" charset="0"/>
-                <a:cs typeface="Courier New" panose="02070309020205020404" pitchFamily="49" charset="0"/>
-              </a:rPr>
-              <a:t>sv</a:t>
-            </a:r>
+              <a:t>  return *this;</a:t>
+            </a:r>
+          </a:p>
+          <a:p>
+            <a:pPr marL="0" indent="0">
+              <a:buNone/>
+            </a:pPr>
             <a:r>
               <a:rPr lang="en-US" sz="2400" b="1" dirty="0" smtClean="0">
                 <a:latin typeface="Courier New" panose="02070309020205020404" pitchFamily="49" charset="0"/>
                 <a:cs typeface="Courier New" panose="02070309020205020404" pitchFamily="49" charset="0"/>
               </a:rPr>
-              <a:t> = rhs.sv;</a:t>
+              <a:t>}</a:t>
             </a:r>
           </a:p>
           <a:p>
@@ -17282,31 +17307,21 @@
                 <a:latin typeface="Courier New" panose="02070309020205020404" pitchFamily="49" charset="0"/>
                 <a:cs typeface="Courier New" panose="02070309020205020404" pitchFamily="49" charset="0"/>
               </a:rPr>
-              <a:t>  return *this;</a:t>
-            </a:r>
-          </a:p>
-          <a:p>
-            <a:pPr marL="0" indent="0">
-              <a:buNone/>
-            </a:pPr>
+              <a:t>Foo&amp; </a:t>
+            </a:r>
             <a:r>
               <a:rPr lang="en-US" sz="2400" b="1" dirty="0" smtClean="0">
                 <a:latin typeface="Courier New" panose="02070309020205020404" pitchFamily="49" charset="0"/>
                 <a:cs typeface="Courier New" panose="02070309020205020404" pitchFamily="49" charset="0"/>
               </a:rPr>
-              <a:t>}</a:t>
-            </a:r>
-          </a:p>
-          <a:p>
-            <a:pPr marL="0" indent="0">
-              <a:buNone/>
-            </a:pPr>
+              <a:t>Foo::operator(Foo</a:t>
+            </a:r>
             <a:r>
               <a:rPr lang="en-US" sz="2400" b="1" dirty="0" smtClean="0">
                 <a:latin typeface="Courier New" panose="02070309020205020404" pitchFamily="49" charset="0"/>
                 <a:cs typeface="Courier New" panose="02070309020205020404" pitchFamily="49" charset="0"/>
               </a:rPr>
-              <a:t>Foo&amp; operator(Foo&amp;&amp; rhs) </a:t>
+              <a:t>&amp;&amp; rhs) </a:t>
             </a:r>
             <a:r>
               <a:rPr lang="en-US" sz="2400" b="1" dirty="0" smtClean="0">
@@ -17583,21 +17598,8 @@
           <a:p>
             <a:r>
               <a:rPr lang="en-US" dirty="0" smtClean="0"/>
-              <a:t>The object resources are stolen from may not go out of scope for </a:t>
-            </a:r>
-            <a:r>
-              <a:rPr lang="en-US" dirty="0" smtClean="0"/>
-              <a:t>awhile (</a:t>
-            </a:r>
-            <a:r>
-              <a:rPr lang="en-US" dirty="0" smtClean="0"/>
-              <a:t>a class author has no way of telling how a class be used</a:t>
-            </a:r>
-            <a:r>
-              <a:rPr lang="en-US" dirty="0" smtClean="0"/>
-              <a:t>).</a:t>
-            </a:r>
-            <a:endParaRPr lang="en-US" dirty="0" smtClean="0"/>
+              <a:t>The object resources are stolen from may not go out of scope for awhile (a class author has no way of telling how a class be used).</a:t>
+            </a:r>
           </a:p>
           <a:p>
             <a:r>
@@ -17610,13 +17612,8 @@
             </a:r>
             <a:r>
               <a:rPr lang="en-US" dirty="0" smtClean="0"/>
-              <a:t>.  It can lead to a hard to debug deadlock.  Releasing all the left hand side resources before stealing the right hand side resources will </a:t>
-            </a:r>
-            <a:r>
-              <a:rPr lang="en-US" dirty="0" smtClean="0"/>
-              <a:t>prevent these bugs.</a:t>
-            </a:r>
-            <a:endParaRPr lang="en-US" dirty="0" smtClean="0"/>
+              <a:t>.  It can lead to a hard to debug deadlock.  Releasing all the left hand side resources before stealing the right hand side resources will prevent these bugs.</a:t>
+            </a:r>
           </a:p>
         </p:txBody>
       </p:sp>
@@ -17711,15 +17708,7 @@
           <a:p>
             <a:r>
               <a:rPr lang="en-US" dirty="0" smtClean="0"/>
-              <a:t>It will probably be necessary to </a:t>
-            </a:r>
-            <a:r>
-              <a:rPr lang="en-US" dirty="0" smtClean="0"/>
-              <a:t>write synchronize </a:t>
-            </a:r>
-            <a:r>
-              <a:rPr lang="en-US" dirty="0" smtClean="0"/>
-              <a:t>for move construction.</a:t>
+              <a:t>It will probably be necessary to write synchronize for move construction.</a:t>
             </a:r>
           </a:p>
         </p:txBody>
@@ -18253,21 +18242,8 @@
             <a:pPr lvl="1"/>
             <a:r>
               <a:rPr lang="en-US" dirty="0" smtClean="0"/>
-              <a:t>Can force these functions to be generated </a:t>
-            </a:r>
-            <a:r>
-              <a:rPr lang="en-US" dirty="0" smtClean="0"/>
-              <a:t>(be </a:t>
-            </a:r>
-            <a:r>
-              <a:rPr lang="en-US" dirty="0" smtClean="0"/>
-              <a:t>careful</a:t>
-            </a:r>
-            <a:r>
-              <a:rPr lang="en-US" dirty="0" smtClean="0"/>
-              <a:t>!).</a:t>
-            </a:r>
-            <a:endParaRPr lang="en-US" dirty="0" smtClean="0"/>
+              <a:t>Can force these functions to be generated (be careful!).</a:t>
+            </a:r>
           </a:p>
         </p:txBody>
       </p:sp>
@@ -18377,15 +18353,7 @@
             <a:pPr lvl="1"/>
             <a:r>
               <a:rPr lang="en-US" dirty="0" smtClean="0"/>
-              <a:t>Implicit functions</a:t>
-            </a:r>
-            <a:r>
-              <a:rPr lang="en-US" dirty="0" smtClean="0"/>
-              <a:t> </a:t>
-            </a:r>
-            <a:r>
-              <a:rPr lang="en-US" dirty="0" smtClean="0"/>
-              <a:t>will move members in initialization order.</a:t>
+              <a:t>Implicit functions will move members in initialization order.</a:t>
             </a:r>
           </a:p>
           <a:p>
@@ -18397,11 +18365,7 @@
           <a:p>
             <a:r>
               <a:rPr lang="en-US" dirty="0" smtClean="0"/>
-              <a:t>C</a:t>
-            </a:r>
-            <a:r>
-              <a:rPr lang="en-US" dirty="0" smtClean="0"/>
-              <a:t>++03 </a:t>
+              <a:t>C++03 </a:t>
             </a:r>
             <a:r>
               <a:rPr lang="en-US" dirty="0"/>
@@ -18411,35 +18375,21 @@
               <a:rPr lang="en-US" dirty="0" smtClean="0"/>
               <a:t>op</a:t>
             </a:r>
-            <a:endParaRPr lang="en-US" dirty="0" smtClean="0"/>
           </a:p>
           <a:p>
             <a:pPr lvl="1"/>
             <a:r>
               <a:rPr lang="en-US" dirty="0" smtClean="0"/>
-              <a:t>It is depreciated.  If you declare any of the </a:t>
+              <a:t>It is </a:t>
             </a:r>
             <a:r>
               <a:rPr lang="en-US" dirty="0" smtClean="0"/>
-              <a:t>3, </a:t>
+              <a:t>deprecated</a:t>
             </a:r>
             <a:r>
               <a:rPr lang="en-US" dirty="0" smtClean="0"/>
-              <a:t>the compiler should at the least issue </a:t>
-            </a:r>
-            <a:r>
-              <a:rPr lang="en-US" dirty="0" smtClean="0"/>
-              <a:t>a warning </a:t>
-            </a:r>
-            <a:r>
-              <a:rPr lang="en-US" dirty="0" smtClean="0"/>
-              <a:t>about </a:t>
-            </a:r>
-            <a:r>
-              <a:rPr lang="en-US" dirty="0" smtClean="0"/>
-              <a:t>implicit generation of the copy ctor or copy assign op.</a:t>
-            </a:r>
-            <a:endParaRPr lang="en-US" dirty="0" smtClean="0"/>
+              <a:t>.  If you declare any of the 3, the compiler should at the least issue a warning about implicit generation of the copy ctor or copy assign op.</a:t>
+            </a:r>
           </a:p>
         </p:txBody>
       </p:sp>
@@ -18497,11 +18447,7 @@
           <a:p>
             <a:r>
               <a:rPr lang="en-US" dirty="0" smtClean="0"/>
-              <a:t>Why </a:t>
-            </a:r>
-            <a:r>
-              <a:rPr lang="en-US" dirty="0" smtClean="0"/>
-              <a:t>Move Semantics</a:t>
+              <a:t>Why Move Semantics</a:t>
             </a:r>
             <a:endParaRPr lang="en-US" dirty="0"/>
           </a:p>
@@ -18531,21 +18477,13 @@
             <a:pPr lvl="1"/>
             <a:r>
               <a:rPr lang="en-US" dirty="0" smtClean="0"/>
-              <a:t>Move is an optimized copy</a:t>
-            </a:r>
+              <a:t>Move is an optimized copy.</a:t>
+            </a:r>
+          </a:p>
+          <a:p>
             <a:r>
               <a:rPr lang="en-US" dirty="0" smtClean="0"/>
-              <a:t>.</a:t>
-            </a:r>
-          </a:p>
-          <a:p>
-            <a:r>
-              <a:rPr lang="en-US" dirty="0" smtClean="0"/>
-              <a:t>Perfect </a:t>
-            </a:r>
-            <a:r>
-              <a:rPr lang="en-US" dirty="0" smtClean="0"/>
-              <a:t>forwarding in templates.</a:t>
+              <a:t>Perfect forwarding in templates.</a:t>
             </a:r>
           </a:p>
           <a:p>
@@ -18591,11 +18529,7 @@
             </a:r>
             <a:r>
               <a:rPr lang="en-US" dirty="0" smtClean="0"/>
-              <a:t> </a:t>
-            </a:r>
-            <a:r>
-              <a:rPr lang="en-US" dirty="0" smtClean="0"/>
-              <a:t>or the bridge pattern/</a:t>
+              <a:t> or the bridge pattern/</a:t>
             </a:r>
             <a:r>
               <a:rPr lang="en-US" dirty="0" err="1"/>
@@ -18607,26 +18541,13 @@
             </a:r>
             <a:r>
               <a:rPr lang="en-US" dirty="0" smtClean="0"/>
-              <a:t> idiom you </a:t>
-            </a:r>
+              <a:t> idiom you already do moves, C++11 allows this to be done explicitly.</a:t>
+            </a:r>
+          </a:p>
+          <a:p>
             <a:r>
               <a:rPr lang="en-US" dirty="0" smtClean="0"/>
-              <a:t>already do moves, C++11 allows </a:t>
-            </a:r>
-            <a:r>
-              <a:rPr lang="en-US" dirty="0" smtClean="0"/>
-              <a:t>this to be done explicitly.</a:t>
-            </a:r>
-            <a:endParaRPr lang="en-US" dirty="0" smtClean="0"/>
-          </a:p>
-          <a:p>
-            <a:r>
-              <a:rPr lang="en-US" dirty="0" smtClean="0"/>
-              <a:t>Passing values </a:t>
-            </a:r>
-            <a:r>
-              <a:rPr lang="en-US" dirty="0" smtClean="0"/>
-              <a:t>via move can be inexpensive (i.e. it’s possible to be as fast as </a:t>
+              <a:t>Passing values via move can be inexpensive (i.e. it’s possible to be as fast as </a:t>
             </a:r>
             <a:r>
               <a:rPr lang="en-US" dirty="0" err="1" smtClean="0"/>
@@ -18634,15 +18555,7 @@
             </a:r>
             <a:r>
               <a:rPr lang="en-US" dirty="0" smtClean="0"/>
-              <a:t>) and therefore a desirable way to </a:t>
-            </a:r>
-            <a:r>
-              <a:rPr lang="en-US" dirty="0" smtClean="0"/>
-              <a:t>pass </a:t>
-            </a:r>
-            <a:r>
-              <a:rPr lang="en-US" dirty="0" smtClean="0"/>
-              <a:t>objects.</a:t>
+              <a:t>) and therefore a desirable way to pass objects.</a:t>
             </a:r>
           </a:p>
         </p:txBody>
@@ -18786,19 +18699,7 @@
             </a:r>
             <a:r>
               <a:rPr lang="en-US" dirty="0" smtClean="0"/>
-              <a:t>: Steal the </a:t>
-            </a:r>
-            <a:r>
-              <a:rPr lang="en-US" dirty="0" smtClean="0"/>
-              <a:t>passed object’s </a:t>
-            </a:r>
-            <a:r>
-              <a:rPr lang="en-US" dirty="0" smtClean="0"/>
-              <a:t>resources</a:t>
-            </a:r>
-            <a:r>
-              <a:rPr lang="en-US" dirty="0" smtClean="0"/>
-              <a:t>.  Should have a matching const lvalue reference function unless it is a move only function.</a:t>
+              <a:t>: Steal the passed object’s resources.  Should have a matching const lvalue reference function unless it is a move only function.</a:t>
             </a:r>
           </a:p>
         </p:txBody>
@@ -18931,13 +18832,8 @@
             </a:r>
             <a:r>
               <a:rPr lang="en-US" dirty="0" smtClean="0"/>
-              <a:t> to </a:t>
-            </a:r>
-            <a:r>
-              <a:rPr lang="en-US" dirty="0" smtClean="0"/>
-              <a:t>calling, once in the function, it’s all lvalues.</a:t>
-            </a:r>
-            <a:endParaRPr lang="en-US" dirty="0" smtClean="0"/>
+              <a:t> to calling, once in the function, it’s all lvalues.</a:t>
+            </a:r>
           </a:p>
           <a:p>
             <a:pPr marL="0" indent="0">
@@ -18948,21 +18844,7 @@
                 <a:latin typeface="Courier New" panose="02070309020205020404" pitchFamily="49" charset="0"/>
                 <a:cs typeface="Courier New" panose="02070309020205020404" pitchFamily="49" charset="0"/>
               </a:rPr>
-              <a:t>template &lt;typename T&gt; void </a:t>
-            </a:r>
-            <a:r>
-              <a:rPr lang="en-US" sz="2400" b="1" dirty="0" smtClean="0">
-                <a:latin typeface="Courier New" panose="02070309020205020404" pitchFamily="49" charset="0"/>
-                <a:cs typeface="Courier New" panose="02070309020205020404" pitchFamily="49" charset="0"/>
-              </a:rPr>
-              <a:t>ref(const </a:t>
-            </a:r>
-            <a:r>
-              <a:rPr lang="en-US" sz="2400" b="1" dirty="0" smtClean="0">
-                <a:latin typeface="Courier New" panose="02070309020205020404" pitchFamily="49" charset="0"/>
-                <a:cs typeface="Courier New" panose="02070309020205020404" pitchFamily="49" charset="0"/>
-              </a:rPr>
-              <a:t>T&amp;&amp;) = delete;</a:t>
+              <a:t>template &lt;typename T&gt; void ref(const T&amp;&amp;) = delete;</a:t>
             </a:r>
           </a:p>
         </p:txBody>
@@ -19094,7 +18976,6 @@
               <a:rPr lang="en-US" sz="2000" dirty="0" smtClean="0"/>
               <a:t>, so &lt;T&gt; is necessary, more later).</a:t>
             </a:r>
-            <a:endParaRPr lang="en-US" sz="2000" dirty="0" smtClean="0"/>
           </a:p>
           <a:p>
             <a:pPr marL="0" indent="0">
@@ -19150,14 +19031,7 @@
                 <a:latin typeface="Courier New" panose="02070309020205020404" pitchFamily="49" charset="0"/>
                 <a:cs typeface="Courier New" panose="02070309020205020404" pitchFamily="49" charset="0"/>
               </a:rPr>
-              <a:t>    template&lt;typename </a:t>
-            </a:r>
-            <a:r>
-              <a:rPr lang="en-US" sz="2400" b="1" dirty="0" smtClean="0">
-                <a:latin typeface="Courier New" panose="02070309020205020404" pitchFamily="49" charset="0"/>
-                <a:cs typeface="Courier New" panose="02070309020205020404" pitchFamily="49" charset="0"/>
-              </a:rPr>
-              <a:t>T&gt;</a:t>
+              <a:t>    template&lt;typename T&gt;</a:t>
             </a:r>
           </a:p>
           <a:p>
@@ -19281,10 +19155,6 @@
               </a:rPr>
               <a:t>};</a:t>
             </a:r>
-            <a:endParaRPr lang="en-US" sz="2400" b="1" dirty="0" smtClean="0">
-              <a:latin typeface="Courier New" panose="02070309020205020404" pitchFamily="49" charset="0"/>
-              <a:cs typeface="Courier New" panose="02070309020205020404" pitchFamily="49" charset="0"/>
-            </a:endParaRPr>
           </a:p>
         </p:txBody>
       </p:sp>
@@ -19791,21 +19661,7 @@
                 <a:latin typeface="Courier New" panose="02070309020205020404" pitchFamily="49" charset="0"/>
                 <a:cs typeface="Courier New" panose="02070309020205020404" pitchFamily="49" charset="0"/>
               </a:rPr>
-              <a:t>T&amp;&amp; forward(T</a:t>
-            </a:r>
-            <a:r>
-              <a:rPr lang="en-US" b="1" dirty="0" smtClean="0">
-                <a:latin typeface="Courier New" panose="02070309020205020404" pitchFamily="49" charset="0"/>
-                <a:cs typeface="Courier New" panose="02070309020205020404" pitchFamily="49" charset="0"/>
-              </a:rPr>
-              <a:t>&amp; </a:t>
-            </a:r>
-            <a:r>
-              <a:rPr lang="en-US" b="1" dirty="0" smtClean="0">
-                <a:latin typeface="Courier New" panose="02070309020205020404" pitchFamily="49" charset="0"/>
-                <a:cs typeface="Courier New" panose="02070309020205020404" pitchFamily="49" charset="0"/>
-              </a:rPr>
-              <a:t>t) { </a:t>
+              <a:t>T&amp;&amp; forward(T&amp; t) { </a:t>
             </a:r>
           </a:p>
           <a:p>
@@ -20177,28 +20033,7 @@
                 <a:latin typeface="Courier New" panose="02070309020205020404" pitchFamily="49" charset="0"/>
                 <a:cs typeface="Courier New" panose="02070309020205020404" pitchFamily="49" charset="0"/>
               </a:rPr>
-              <a:t>//</a:t>
-            </a:r>
-            <a:r>
-              <a:rPr lang="en-US" sz="2400" b="1" dirty="0" smtClean="0">
-                <a:latin typeface="Courier New" panose="02070309020205020404" pitchFamily="49" charset="0"/>
-                <a:cs typeface="Courier New" panose="02070309020205020404" pitchFamily="49" charset="0"/>
-              </a:rPr>
-              <a:t>For </a:t>
-            </a:r>
-            <a:r>
-              <a:rPr lang="en-US" sz="2400" b="1" dirty="0" smtClean="0">
-                <a:latin typeface="Courier New" panose="02070309020205020404" pitchFamily="49" charset="0"/>
-                <a:cs typeface="Courier New" panose="02070309020205020404" pitchFamily="49" charset="0"/>
-              </a:rPr>
-              <a:t>rvalue </a:t>
-            </a:r>
-            <a:r>
-              <a:rPr lang="en-US" sz="2400" b="1" dirty="0" smtClean="0">
-                <a:latin typeface="Courier New" panose="02070309020205020404" pitchFamily="49" charset="0"/>
-                <a:cs typeface="Courier New" panose="02070309020205020404" pitchFamily="49" charset="0"/>
-              </a:rPr>
-              <a:t>references:</a:t>
+              <a:t>//For rvalue references:</a:t>
             </a:r>
             <a:endParaRPr lang="en-US" sz="2400" b="1" dirty="0">
               <a:latin typeface="Courier New" panose="02070309020205020404" pitchFamily="49" charset="0"/>
@@ -20407,22 +20242,12 @@
               <a:rPr lang="en-US" dirty="0" smtClean="0"/>
               <a:t>It’s perfect, when it works.</a:t>
             </a:r>
-            <a:endParaRPr lang="en-US" dirty="0" smtClean="0"/>
           </a:p>
           <a:p>
             <a:r>
               <a:rPr lang="en-US" dirty="0" smtClean="0"/>
-              <a:t>Does </a:t>
-            </a:r>
-            <a:r>
-              <a:rPr lang="en-US" dirty="0" smtClean="0"/>
-              <a:t>not work for incomplete </a:t>
-            </a:r>
-            <a:r>
-              <a:rPr lang="en-US" dirty="0" smtClean="0"/>
-              <a:t>types:</a:t>
-            </a:r>
-            <a:endParaRPr lang="en-US" dirty="0" smtClean="0"/>
+              <a:t>Does not work for incomplete types:</a:t>
+            </a:r>
           </a:p>
           <a:p>
             <a:pPr lvl="1"/>
@@ -21152,13 +20977,8 @@
           <a:p>
             <a:r>
               <a:rPr lang="en-US" dirty="0" smtClean="0"/>
-              <a:t>Move is stealing resources from one object and giving them in </a:t>
-            </a:r>
-            <a:r>
-              <a:rPr lang="en-US" dirty="0" smtClean="0"/>
-              <a:t>another instead of copying the resources.</a:t>
-            </a:r>
-            <a:endParaRPr lang="en-US" dirty="0" smtClean="0"/>
+              <a:t>Move is stealing resources from one object and giving them in another instead of copying the resources.</a:t>
+            </a:r>
           </a:p>
           <a:p>
             <a:r>
@@ -21187,23 +21007,7 @@
             </a:r>
             <a:r>
               <a:rPr lang="en-US" dirty="0" smtClean="0"/>
-              <a:t>can </a:t>
-            </a:r>
-            <a:r>
-              <a:rPr lang="en-US" dirty="0" smtClean="0"/>
-              <a:t>be “stolen” by moving </a:t>
-            </a:r>
-            <a:r>
-              <a:rPr lang="en-US" dirty="0" smtClean="0"/>
-              <a:t>a pointer </a:t>
-            </a:r>
-            <a:r>
-              <a:rPr lang="en-US" dirty="0" smtClean="0"/>
-              <a:t>value </a:t>
-            </a:r>
-            <a:r>
-              <a:rPr lang="en-US" dirty="0" smtClean="0"/>
-              <a:t>rather than coping the whole buffer.</a:t>
+              <a:t>can be “stolen” by moving a pointer value rather than coping the whole buffer.</a:t>
             </a:r>
           </a:p>
           <a:p>
@@ -22415,20 +22219,14 @@
           <a:p>
             <a:r>
               <a:rPr lang="en-US" dirty="0" smtClean="0"/>
-              <a:t>Lets the compiler, via implicit optimizations or as directed by the programmer, take advantage of </a:t>
-            </a:r>
-            <a:r>
-              <a:rPr lang="en-US" dirty="0" smtClean="0"/>
-              <a:t>moves.</a:t>
-            </a:r>
-            <a:endParaRPr lang="en-US" dirty="0" smtClean="0"/>
+              <a:t>Lets the compiler, via implicit optimizations or as directed by the programmer, take advantage of moves.</a:t>
+            </a:r>
           </a:p>
           <a:p>
             <a:r>
               <a:rPr lang="en-US" dirty="0" smtClean="0"/>
               <a:t>What is covered:</a:t>
             </a:r>
-            <a:endParaRPr lang="en-US" dirty="0" smtClean="0"/>
           </a:p>
           <a:p>
             <a:pPr lvl="1"/>
@@ -22518,11 +22316,7 @@
           <a:p>
             <a:r>
               <a:rPr lang="en-US" dirty="0" smtClean="0"/>
-              <a:t>New </a:t>
-            </a:r>
-            <a:r>
-              <a:rPr lang="en-US" dirty="0" smtClean="0"/>
-              <a:t>expression </a:t>
+              <a:t>New expression </a:t>
             </a:r>
             <a:r>
               <a:rPr lang="en-US" u="sng" dirty="0" smtClean="0"/>
@@ -22557,34 +22351,13 @@
             <a:pPr lvl="1"/>
             <a:r>
               <a:rPr lang="en-US" dirty="0" smtClean="0"/>
-              <a:t>Xvalues allows the complier to recognize movable </a:t>
-            </a:r>
+              <a:t>Xvalues allows the complier to recognize movable opportunities</a:t>
+            </a:r>
+          </a:p>
+          <a:p>
             <a:r>
               <a:rPr lang="en-US" dirty="0" smtClean="0"/>
-              <a:t>opportunities</a:t>
-            </a:r>
-            <a:endParaRPr lang="en-US" dirty="0" smtClean="0"/>
-          </a:p>
-          <a:p>
-            <a:r>
-              <a:rPr lang="en-US" dirty="0" smtClean="0"/>
-              <a:t>Expression value categories are orthogonal to any other expression property (i.e. </a:t>
-            </a:r>
-            <a:r>
-              <a:rPr lang="en-US" dirty="0" smtClean="0"/>
-              <a:t>expression type </a:t>
-            </a:r>
-            <a:r>
-              <a:rPr lang="en-US" dirty="0" smtClean="0"/>
-              <a:t>or value in memory).  </a:t>
-            </a:r>
-            <a:r>
-              <a:rPr lang="en-US" dirty="0" smtClean="0"/>
-              <a:t>The value category </a:t>
-            </a:r>
-            <a:r>
-              <a:rPr lang="en-US" dirty="0" smtClean="0"/>
-              <a:t>can be determined statically at compile time.</a:t>
+              <a:t>Expression value categories are orthogonal to any other expression property (i.e. expression type or value in memory).  The value category can be determined statically at compile time.</a:t>
             </a:r>
           </a:p>
           <a:p>
@@ -22788,21 +22561,8 @@
           <a:p>
             <a:r>
               <a:rPr lang="en-US" dirty="0" smtClean="0"/>
-              <a:t>“Whenever a </a:t>
-            </a:r>
-            <a:r>
-              <a:rPr lang="en-US" dirty="0" smtClean="0"/>
-              <a:t>glvalue </a:t>
-            </a:r>
-            <a:r>
-              <a:rPr lang="en-US" dirty="0" smtClean="0"/>
-              <a:t>appears in the context where a prvalue is expected, the glvalue is converted to a prvalue”, binding to an rvalue reference is </a:t>
-            </a:r>
-            <a:r>
-              <a:rPr lang="en-US" dirty="0" smtClean="0"/>
-              <a:t>a conversion case.</a:t>
-            </a:r>
-            <a:endParaRPr lang="en-US" dirty="0" smtClean="0"/>
+              <a:t>“Whenever a glvalue appears in the context where a prvalue is expected, the glvalue is converted to a prvalue”, binding to an rvalue reference is a conversion case.</a:t>
+            </a:r>
           </a:p>
           <a:p>
             <a:pPr marL="0" indent="0">
@@ -23101,19 +22861,8 @@
                 <a:latin typeface="Courier New" panose="02070309020205020404" pitchFamily="49" charset="0"/>
                 <a:cs typeface="Courier New" panose="02070309020205020404" pitchFamily="49" charset="0"/>
               </a:rPr>
-              <a:t>F(3);  //3 here is a prvalue, so is </a:t>
-            </a:r>
-            <a:r>
-              <a:rPr lang="en-US" sz="2400" b="1" dirty="0" smtClean="0">
-                <a:latin typeface="Courier New" panose="02070309020205020404" pitchFamily="49" charset="0"/>
-                <a:cs typeface="Courier New" panose="02070309020205020404" pitchFamily="49" charset="0"/>
-              </a:rPr>
-              <a:t>F’s return</a:t>
-            </a:r>
-            <a:endParaRPr lang="en-US" sz="2400" b="1" dirty="0" smtClean="0">
-              <a:latin typeface="Courier New" panose="02070309020205020404" pitchFamily="49" charset="0"/>
-              <a:cs typeface="Courier New" panose="02070309020205020404" pitchFamily="49" charset="0"/>
-            </a:endParaRPr>
+              <a:t>F(3);  //3 here is a prvalue, so is F’s return</a:t>
+            </a:r>
           </a:p>
           <a:p>
             <a:endParaRPr lang="en-US" dirty="0"/>

--- a/Cpp11-Move semantics.pptx
+++ b/Cpp11-Move semantics.pptx
@@ -4532,7 +4532,7 @@
           <a:p>
             <a:fld id="{DE584273-336E-4FE6-9F7A-0DF62B7F6277}" type="datetimeFigureOut">
               <a:rPr lang="en-US" smtClean="0"/>
-              <a:t>6/27/2013</a:t>
+              <a:t>6/30/2013</a:t>
             </a:fld>
             <a:endParaRPr lang="en-US"/>
           </a:p>
@@ -6112,7 +6112,7 @@
             <a:fld id="{B61BEF0D-F0BB-DE4B-95CE-6DB70DBA9567}" type="datetimeFigureOut">
               <a:rPr lang="en-US" smtClean="0"/>
               <a:pPr/>
-              <a:t>6/27/2013</a:t>
+              <a:t>6/30/2013</a:t>
             </a:fld>
             <a:endParaRPr lang="en-US"/>
           </a:p>
@@ -6365,7 +6365,7 @@
             <a:fld id="{B61BEF0D-F0BB-DE4B-95CE-6DB70DBA9567}" type="datetimeFigureOut">
               <a:rPr lang="en-US" smtClean="0"/>
               <a:pPr/>
-              <a:t>6/27/2013</a:t>
+              <a:t>6/30/2013</a:t>
             </a:fld>
             <a:endParaRPr lang="en-US"/>
           </a:p>
@@ -6681,7 +6681,7 @@
             <a:fld id="{B61BEF0D-F0BB-DE4B-95CE-6DB70DBA9567}" type="datetimeFigureOut">
               <a:rPr lang="en-US" smtClean="0"/>
               <a:pPr/>
-              <a:t>6/27/2013</a:t>
+              <a:t>6/30/2013</a:t>
             </a:fld>
             <a:endParaRPr lang="en-US"/>
           </a:p>
@@ -7016,7 +7016,7 @@
             <a:fld id="{B61BEF0D-F0BB-DE4B-95CE-6DB70DBA9567}" type="datetimeFigureOut">
               <a:rPr lang="en-US" smtClean="0"/>
               <a:pPr/>
-              <a:t>6/27/2013</a:t>
+              <a:t>6/30/2013</a:t>
             </a:fld>
             <a:endParaRPr lang="en-US"/>
           </a:p>
@@ -7332,7 +7332,7 @@
             <a:fld id="{B61BEF0D-F0BB-DE4B-95CE-6DB70DBA9567}" type="datetimeFigureOut">
               <a:rPr lang="en-US" smtClean="0"/>
               <a:pPr/>
-              <a:t>6/27/2013</a:t>
+              <a:t>6/30/2013</a:t>
             </a:fld>
             <a:endParaRPr lang="en-US"/>
           </a:p>
@@ -7727,7 +7727,7 @@
             <a:fld id="{B61BEF0D-F0BB-DE4B-95CE-6DB70DBA9567}" type="datetimeFigureOut">
               <a:rPr lang="en-US" smtClean="0"/>
               <a:pPr/>
-              <a:t>6/27/2013</a:t>
+              <a:t>6/30/2013</a:t>
             </a:fld>
             <a:endParaRPr lang="en-US"/>
           </a:p>
@@ -7899,7 +7899,7 @@
             <a:fld id="{B61BEF0D-F0BB-DE4B-95CE-6DB70DBA9567}" type="datetimeFigureOut">
               <a:rPr lang="en-US" smtClean="0"/>
               <a:pPr/>
-              <a:t>6/27/2013</a:t>
+              <a:t>6/30/2013</a:t>
             </a:fld>
             <a:endParaRPr lang="en-US"/>
           </a:p>
@@ -8081,7 +8081,7 @@
             <a:fld id="{B61BEF0D-F0BB-DE4B-95CE-6DB70DBA9567}" type="datetimeFigureOut">
               <a:rPr lang="en-US" smtClean="0"/>
               <a:pPr/>
-              <a:t>6/27/2013</a:t>
+              <a:t>6/30/2013</a:t>
             </a:fld>
             <a:endParaRPr lang="en-US"/>
           </a:p>
@@ -8274,7 +8274,7 @@
           <a:p>
             <a:fld id="{E4C5303D-0A11-44FA-BDAC-2659F04CC243}" type="datetimeFigureOut">
               <a:rPr lang="en-US" smtClean="0"/>
-              <a:t>6/27/2013</a:t>
+              <a:t>6/30/2013</a:t>
             </a:fld>
             <a:endParaRPr lang="en-US"/>
           </a:p>
@@ -8451,7 +8451,7 @@
           <a:p>
             <a:fld id="{E4C5303D-0A11-44FA-BDAC-2659F04CC243}" type="datetimeFigureOut">
               <a:rPr lang="en-US" smtClean="0"/>
-              <a:t>6/27/2013</a:t>
+              <a:t>6/30/2013</a:t>
             </a:fld>
             <a:endParaRPr lang="en-US"/>
           </a:p>
@@ -8583,7 +8583,7 @@
           <a:p>
             <a:fld id="{E4C5303D-0A11-44FA-BDAC-2659F04CC243}" type="datetimeFigureOut">
               <a:rPr lang="en-US" smtClean="0"/>
-              <a:t>6/27/2013</a:t>
+              <a:t>6/30/2013</a:t>
             </a:fld>
             <a:endParaRPr lang="en-US"/>
           </a:p>
@@ -8761,7 +8761,7 @@
             <a:fld id="{B61BEF0D-F0BB-DE4B-95CE-6DB70DBA9567}" type="datetimeFigureOut">
               <a:rPr lang="en-US" smtClean="0"/>
               <a:pPr/>
-              <a:t>6/27/2013</a:t>
+              <a:t>6/30/2013</a:t>
             </a:fld>
             <a:endParaRPr lang="en-US"/>
           </a:p>
@@ -9008,7 +9008,7 @@
           <a:p>
             <a:fld id="{E4C5303D-0A11-44FA-BDAC-2659F04CC243}" type="datetimeFigureOut">
               <a:rPr lang="en-US" smtClean="0"/>
-              <a:t>6/27/2013</a:t>
+              <a:t>6/30/2013</a:t>
             </a:fld>
             <a:endParaRPr lang="en-US"/>
           </a:p>
@@ -9247,7 +9247,7 @@
           <a:p>
             <a:fld id="{E4C5303D-0A11-44FA-BDAC-2659F04CC243}" type="datetimeFigureOut">
               <a:rPr lang="en-US" smtClean="0"/>
-              <a:t>6/27/2013</a:t>
+              <a:t>6/30/2013</a:t>
             </a:fld>
             <a:endParaRPr lang="en-US"/>
           </a:p>
@@ -9614,7 +9614,7 @@
           <a:p>
             <a:fld id="{E4C5303D-0A11-44FA-BDAC-2659F04CC243}" type="datetimeFigureOut">
               <a:rPr lang="en-US" smtClean="0"/>
-              <a:t>6/27/2013</a:t>
+              <a:t>6/30/2013</a:t>
             </a:fld>
             <a:endParaRPr lang="en-US"/>
           </a:p>
@@ -9732,7 +9732,7 @@
           <a:p>
             <a:fld id="{E4C5303D-0A11-44FA-BDAC-2659F04CC243}" type="datetimeFigureOut">
               <a:rPr lang="en-US" smtClean="0"/>
-              <a:t>6/27/2013</a:t>
+              <a:t>6/30/2013</a:t>
             </a:fld>
             <a:endParaRPr lang="en-US"/>
           </a:p>
@@ -9834,7 +9834,7 @@
           <a:p>
             <a:fld id="{E4C5303D-0A11-44FA-BDAC-2659F04CC243}" type="datetimeFigureOut">
               <a:rPr lang="en-US" smtClean="0"/>
-              <a:t>6/27/2013</a:t>
+              <a:t>6/30/2013</a:t>
             </a:fld>
             <a:endParaRPr lang="en-US"/>
           </a:p>
@@ -10118,7 +10118,7 @@
           <a:p>
             <a:fld id="{E4C5303D-0A11-44FA-BDAC-2659F04CC243}" type="datetimeFigureOut">
               <a:rPr lang="en-US" smtClean="0"/>
-              <a:t>6/27/2013</a:t>
+              <a:t>6/30/2013</a:t>
             </a:fld>
             <a:endParaRPr lang="en-US"/>
           </a:p>
@@ -10375,7 +10375,7 @@
           <a:p>
             <a:fld id="{E4C5303D-0A11-44FA-BDAC-2659F04CC243}" type="datetimeFigureOut">
               <a:rPr lang="en-US" smtClean="0"/>
-              <a:t>6/27/2013</a:t>
+              <a:t>6/30/2013</a:t>
             </a:fld>
             <a:endParaRPr lang="en-US"/>
           </a:p>
@@ -10545,7 +10545,7 @@
           <a:p>
             <a:fld id="{E4C5303D-0A11-44FA-BDAC-2659F04CC243}" type="datetimeFigureOut">
               <a:rPr lang="en-US" smtClean="0"/>
-              <a:t>6/27/2013</a:t>
+              <a:t>6/30/2013</a:t>
             </a:fld>
             <a:endParaRPr lang="en-US"/>
           </a:p>
@@ -10732,7 +10732,7 @@
           <a:p>
             <a:fld id="{E4C5303D-0A11-44FA-BDAC-2659F04CC243}" type="datetimeFigureOut">
               <a:rPr lang="en-US" smtClean="0"/>
-              <a:t>6/27/2013</a:t>
+              <a:t>6/30/2013</a:t>
             </a:fld>
             <a:endParaRPr lang="en-US"/>
           </a:p>
@@ -10987,7 +10987,7 @@
             <a:fld id="{B61BEF0D-F0BB-DE4B-95CE-6DB70DBA9567}" type="datetimeFigureOut">
               <a:rPr lang="en-US" smtClean="0"/>
               <a:pPr/>
-              <a:t>6/27/2013</a:t>
+              <a:t>6/30/2013</a:t>
             </a:fld>
             <a:endParaRPr lang="en-US"/>
           </a:p>
@@ -11221,7 +11221,7 @@
             <a:fld id="{B61BEF0D-F0BB-DE4B-95CE-6DB70DBA9567}" type="datetimeFigureOut">
               <a:rPr lang="en-US" smtClean="0"/>
               <a:pPr/>
-              <a:t>6/27/2013</a:t>
+              <a:t>6/30/2013</a:t>
             </a:fld>
             <a:endParaRPr lang="en-US"/>
           </a:p>
@@ -11597,7 +11597,7 @@
             <a:fld id="{B61BEF0D-F0BB-DE4B-95CE-6DB70DBA9567}" type="datetimeFigureOut">
               <a:rPr lang="en-US" smtClean="0"/>
               <a:pPr/>
-              <a:t>6/27/2013</a:t>
+              <a:t>6/30/2013</a:t>
             </a:fld>
             <a:endParaRPr lang="en-US"/>
           </a:p>
@@ -11722,7 +11722,7 @@
             <a:fld id="{B61BEF0D-F0BB-DE4B-95CE-6DB70DBA9567}" type="datetimeFigureOut">
               <a:rPr lang="en-US" smtClean="0"/>
               <a:pPr/>
-              <a:t>6/27/2013</a:t>
+              <a:t>6/30/2013</a:t>
             </a:fld>
             <a:endParaRPr lang="en-US"/>
           </a:p>
@@ -11819,7 +11819,7 @@
             <a:fld id="{B61BEF0D-F0BB-DE4B-95CE-6DB70DBA9567}" type="datetimeFigureOut">
               <a:rPr lang="en-US" smtClean="0"/>
               <a:pPr/>
-              <a:t>6/27/2013</a:t>
+              <a:t>6/30/2013</a:t>
             </a:fld>
             <a:endParaRPr lang="en-US"/>
           </a:p>
@@ -12076,7 +12076,7 @@
             <a:fld id="{B61BEF0D-F0BB-DE4B-95CE-6DB70DBA9567}" type="datetimeFigureOut">
               <a:rPr lang="en-US" smtClean="0"/>
               <a:pPr/>
-              <a:t>6/27/2013</a:t>
+              <a:t>6/30/2013</a:t>
             </a:fld>
             <a:endParaRPr lang="en-US"/>
           </a:p>
@@ -12384,7 +12384,7 @@
             <a:fld id="{B61BEF0D-F0BB-DE4B-95CE-6DB70DBA9567}" type="datetimeFigureOut">
               <a:rPr lang="en-US" smtClean="0"/>
               <a:pPr/>
-              <a:t>6/27/2013</a:t>
+              <a:t>6/30/2013</a:t>
             </a:fld>
             <a:endParaRPr lang="en-US"/>
           </a:p>
@@ -13087,7 +13087,7 @@
             <a:fld id="{B61BEF0D-F0BB-DE4B-95CE-6DB70DBA9567}" type="datetimeFigureOut">
               <a:rPr lang="en-US" smtClean="0"/>
               <a:pPr/>
-              <a:t>6/27/2013</a:t>
+              <a:t>6/30/2013</a:t>
             </a:fld>
             <a:endParaRPr lang="en-US"/>
           </a:p>
@@ -13748,7 +13748,7 @@
             <a:fld id="{B61BEF0D-F0BB-DE4B-95CE-6DB70DBA9567}" type="datetimeFigureOut">
               <a:rPr lang="en-US" smtClean="0"/>
               <a:pPr/>
-              <a:t>6/27/2013</a:t>
+              <a:t>6/30/2013</a:t>
             </a:fld>
             <a:endParaRPr lang="en-US"/>
           </a:p>
@@ -15071,8 +15071,13 @@
           <a:p>
             <a:r>
               <a:rPr lang="en-US" dirty="0" smtClean="0"/>
-              <a:t>Use function overloading to detect rvalues.</a:t>
-            </a:r>
+              <a:t>Use function overloading to detect </a:t>
+            </a:r>
+            <a:r>
+              <a:rPr lang="en-US" dirty="0" smtClean="0"/>
+              <a:t>rvalue references.</a:t>
+            </a:r>
+            <a:endParaRPr lang="en-US" dirty="0" smtClean="0"/>
           </a:p>
           <a:p>
             <a:r>
@@ -15092,7 +15097,15 @@
           <a:p>
             <a:r>
               <a:rPr lang="en-US" dirty="0" smtClean="0"/>
-              <a:t>Overload function for rvalues:</a:t>
+              <a:t>Overload function for </a:t>
+            </a:r>
+            <a:r>
+              <a:rPr lang="en-US" smtClean="0"/>
+              <a:t>rvalue references</a:t>
+            </a:r>
+            <a:r>
+              <a:rPr lang="en-US" dirty="0" smtClean="0"/>
+              <a:t>:</a:t>
             </a:r>
           </a:p>
           <a:p>
@@ -15258,13 +15271,8 @@
             </a:r>
             <a:r>
               <a:rPr lang="en-US" dirty="0" smtClean="0"/>
-              <a:t> is </a:t>
-            </a:r>
-            <a:r>
-              <a:rPr lang="en-US" dirty="0" smtClean="0"/>
-              <a:t>deprecated</a:t>
-            </a:r>
-            <a:endParaRPr lang="en-US" dirty="0" smtClean="0"/>
+              <a:t> is deprecated</a:t>
+            </a:r>
           </a:p>
           <a:p>
             <a:pPr lvl="1"/>
@@ -15616,28 +15624,7 @@
                 <a:latin typeface="Courier New" panose="02070309020205020404" pitchFamily="49" charset="0"/>
                 <a:cs typeface="Courier New" panose="02070309020205020404" pitchFamily="49" charset="0"/>
               </a:rPr>
-              <a:t>    { return </a:t>
-            </a:r>
-            <a:r>
-              <a:rPr lang="en-US" sz="2400" b="1" dirty="0" smtClean="0">
-                <a:latin typeface="Courier New" panose="02070309020205020404" pitchFamily="49" charset="0"/>
-                <a:cs typeface="Courier New" panose="02070309020205020404" pitchFamily="49" charset="0"/>
-              </a:rPr>
-              <a:t>static_cast&lt;</a:t>
-            </a:r>
-            <a:r>
-              <a:rPr lang="en-US" sz="2400" b="1" dirty="0" smtClean="0">
-                <a:latin typeface="Courier New" panose="02070309020205020404" pitchFamily="49" charset="0"/>
-                <a:cs typeface="Courier New" panose="02070309020205020404" pitchFamily="49" charset="0"/>
-              </a:rPr>
-              <a:t>T&amp;&amp;&gt;(t); </a:t>
-            </a:r>
-            <a:r>
-              <a:rPr lang="en-US" sz="2400" b="1" dirty="0" smtClean="0">
-                <a:latin typeface="Courier New" panose="02070309020205020404" pitchFamily="49" charset="0"/>
-                <a:cs typeface="Courier New" panose="02070309020205020404" pitchFamily="49" charset="0"/>
-              </a:rPr>
-              <a:t>}</a:t>
+              <a:t>    { return static_cast&lt;T&amp;&amp;&gt;(t); }</a:t>
             </a:r>
           </a:p>
           <a:p>
@@ -16961,14 +16948,7 @@
                 <a:latin typeface="Courier New" panose="02070309020205020404" pitchFamily="49" charset="0"/>
                 <a:cs typeface="Courier New" panose="02070309020205020404" pitchFamily="49" charset="0"/>
               </a:rPr>
-              <a:t>Foo::Foo(Foo</a:t>
-            </a:r>
-            <a:r>
-              <a:rPr lang="en-US" sz="2600" b="1" dirty="0" smtClean="0">
-                <a:latin typeface="Courier New" panose="02070309020205020404" pitchFamily="49" charset="0"/>
-                <a:cs typeface="Courier New" panose="02070309020205020404" pitchFamily="49" charset="0"/>
-              </a:rPr>
-              <a:t>&amp;&amp; foo) </a:t>
+              <a:t>Foo::Foo(Foo&amp;&amp; foo) </a:t>
             </a:r>
             <a:r>
               <a:rPr lang="en-US" sz="2400" b="1" dirty="0">
@@ -17009,7 +16989,28 @@
                 <a:latin typeface="Courier New" panose="02070309020205020404" pitchFamily="49" charset="0"/>
                 <a:cs typeface="Courier New" panose="02070309020205020404" pitchFamily="49" charset="0"/>
               </a:rPr>
-              <a:t>std</a:t>
+              <a:t>std::move</a:t>
+            </a:r>
+            <a:r>
+              <a:rPr lang="en-US" sz="2600" b="1" dirty="0" smtClean="0">
+                <a:latin typeface="Courier New" panose="02070309020205020404" pitchFamily="49" charset="0"/>
+                <a:cs typeface="Courier New" panose="02070309020205020404" pitchFamily="49" charset="0"/>
+              </a:rPr>
+              <a:t>(foo)), </a:t>
+            </a:r>
+            <a:r>
+              <a:rPr lang="en-US" sz="2600" b="1" dirty="0" err="1" smtClean="0">
+                <a:latin typeface="Courier New" panose="02070309020205020404" pitchFamily="49" charset="0"/>
+                <a:cs typeface="Courier New" panose="02070309020205020404" pitchFamily="49" charset="0"/>
+              </a:rPr>
+              <a:t>sv</a:t>
+            </a:r>
+            <a:r>
+              <a:rPr lang="en-US" sz="2600" b="1" dirty="0" smtClean="0">
+                <a:latin typeface="Courier New" panose="02070309020205020404" pitchFamily="49" charset="0"/>
+                <a:cs typeface="Courier New" panose="02070309020205020404" pitchFamily="49" charset="0"/>
+              </a:rPr>
+              <a:t>(</a:t>
             </a:r>
             <a:r>
               <a:rPr lang="en-US" sz="2600" b="1" dirty="0" smtClean="0">
@@ -17019,62 +17020,14 @@
                 <a:latin typeface="Courier New" panose="02070309020205020404" pitchFamily="49" charset="0"/>
                 <a:cs typeface="Courier New" panose="02070309020205020404" pitchFamily="49" charset="0"/>
               </a:rPr>
-              <a:t>::move</a:t>
+              <a:t>std::move</a:t>
             </a:r>
             <a:r>
               <a:rPr lang="en-US" sz="2600" b="1" dirty="0" smtClean="0">
                 <a:latin typeface="Courier New" panose="02070309020205020404" pitchFamily="49" charset="0"/>
                 <a:cs typeface="Courier New" panose="02070309020205020404" pitchFamily="49" charset="0"/>
               </a:rPr>
-              <a:t>(foo)), </a:t>
-            </a:r>
-            <a:r>
-              <a:rPr lang="en-US" sz="2600" b="1" dirty="0" err="1" smtClean="0">
-                <a:latin typeface="Courier New" panose="02070309020205020404" pitchFamily="49" charset="0"/>
-                <a:cs typeface="Courier New" panose="02070309020205020404" pitchFamily="49" charset="0"/>
-              </a:rPr>
-              <a:t>sv</a:t>
-            </a:r>
-            <a:r>
-              <a:rPr lang="en-US" sz="2600" b="1" dirty="0" smtClean="0">
-                <a:latin typeface="Courier New" panose="02070309020205020404" pitchFamily="49" charset="0"/>
-                <a:cs typeface="Courier New" panose="02070309020205020404" pitchFamily="49" charset="0"/>
-              </a:rPr>
-              <a:t>(</a:t>
-            </a:r>
-            <a:r>
-              <a:rPr lang="en-US" sz="2600" b="1" dirty="0" smtClean="0">
-                <a:solidFill>
-                  <a:srgbClr val="FF0000"/>
-                </a:solidFill>
-                <a:latin typeface="Courier New" panose="02070309020205020404" pitchFamily="49" charset="0"/>
-                <a:cs typeface="Courier New" panose="02070309020205020404" pitchFamily="49" charset="0"/>
-              </a:rPr>
-              <a:t>std::</a:t>
-            </a:r>
-            <a:r>
-              <a:rPr lang="en-US" sz="2600" b="1" dirty="0" smtClean="0">
-                <a:solidFill>
-                  <a:srgbClr val="FF0000"/>
-                </a:solidFill>
-                <a:latin typeface="Courier New" panose="02070309020205020404" pitchFamily="49" charset="0"/>
-                <a:cs typeface="Courier New" panose="02070309020205020404" pitchFamily="49" charset="0"/>
-              </a:rPr>
-              <a:t>move</a:t>
-            </a:r>
-            <a:r>
-              <a:rPr lang="en-US" sz="2600" b="1" dirty="0" smtClean="0">
-                <a:latin typeface="Courier New" panose="02070309020205020404" pitchFamily="49" charset="0"/>
-                <a:cs typeface="Courier New" panose="02070309020205020404" pitchFamily="49" charset="0"/>
-              </a:rPr>
-              <a:t>(foo.sv</a:t>
-            </a:r>
-            <a:r>
-              <a:rPr lang="en-US" sz="2600" b="1" dirty="0" smtClean="0">
-                <a:latin typeface="Courier New" panose="02070309020205020404" pitchFamily="49" charset="0"/>
-                <a:cs typeface="Courier New" panose="02070309020205020404" pitchFamily="49" charset="0"/>
-              </a:rPr>
-              <a:t>)) {</a:t>
+              <a:t>(foo.sv)) {</a:t>
             </a:r>
           </a:p>
           <a:p>
@@ -17198,21 +17151,40 @@
                 <a:latin typeface="Courier New" panose="02070309020205020404" pitchFamily="49" charset="0"/>
                 <a:cs typeface="Courier New" panose="02070309020205020404" pitchFamily="49" charset="0"/>
               </a:rPr>
-              <a:t>Foo&amp; </a:t>
+              <a:t>Foo&amp; Foo::operator(const Foo&amp; rhs)= {</a:t>
+            </a:r>
+          </a:p>
+          <a:p>
+            <a:pPr marL="0" indent="0">
+              <a:buNone/>
+            </a:pPr>
+            <a:r>
+              <a:rPr lang="en-US" sz="2400" b="1" dirty="0">
+                <a:latin typeface="Courier New" panose="02070309020205020404" pitchFamily="49" charset="0"/>
+                <a:cs typeface="Courier New" panose="02070309020205020404" pitchFamily="49" charset="0"/>
+              </a:rPr>
+              <a:t> </a:t>
             </a:r>
             <a:r>
               <a:rPr lang="en-US" sz="2400" b="1" dirty="0" smtClean="0">
                 <a:latin typeface="Courier New" panose="02070309020205020404" pitchFamily="49" charset="0"/>
                 <a:cs typeface="Courier New" panose="02070309020205020404" pitchFamily="49" charset="0"/>
               </a:rPr>
-              <a:t>Foo::operator(const </a:t>
+              <a:t> </a:t>
+            </a:r>
+            <a:r>
+              <a:rPr lang="en-US" sz="2400" b="1" dirty="0" err="1" smtClean="0">
+                <a:latin typeface="Courier New" panose="02070309020205020404" pitchFamily="49" charset="0"/>
+                <a:cs typeface="Courier New" panose="02070309020205020404" pitchFamily="49" charset="0"/>
+              </a:rPr>
+              <a:t>FooBase</a:t>
             </a:r>
             <a:r>
               <a:rPr lang="en-US" sz="2400" b="1" dirty="0" smtClean="0">
                 <a:latin typeface="Courier New" panose="02070309020205020404" pitchFamily="49" charset="0"/>
                 <a:cs typeface="Courier New" panose="02070309020205020404" pitchFamily="49" charset="0"/>
               </a:rPr>
-              <a:t>Foo&amp; rhs)= {</a:t>
+              <a:t>::operator=(rhs);</a:t>
             </a:r>
           </a:p>
           <a:p>
@@ -17220,32 +17192,25 @@
               <a:buNone/>
             </a:pPr>
             <a:r>
-              <a:rPr lang="en-US" sz="2400" b="1" dirty="0">
-                <a:latin typeface="Courier New" panose="02070309020205020404" pitchFamily="49" charset="0"/>
-                <a:cs typeface="Courier New" panose="02070309020205020404" pitchFamily="49" charset="0"/>
-              </a:rPr>
-              <a:t> </a:t>
-            </a:r>
-            <a:r>
               <a:rPr lang="en-US" sz="2400" b="1" dirty="0" smtClean="0">
                 <a:latin typeface="Courier New" panose="02070309020205020404" pitchFamily="49" charset="0"/>
                 <a:cs typeface="Courier New" panose="02070309020205020404" pitchFamily="49" charset="0"/>
               </a:rPr>
-              <a:t> </a:t>
+              <a:t>  </a:t>
             </a:r>
             <a:r>
               <a:rPr lang="en-US" sz="2400" b="1" dirty="0" err="1" smtClean="0">
                 <a:latin typeface="Courier New" panose="02070309020205020404" pitchFamily="49" charset="0"/>
                 <a:cs typeface="Courier New" panose="02070309020205020404" pitchFamily="49" charset="0"/>
               </a:rPr>
-              <a:t>FooBase</a:t>
+              <a:t>sv</a:t>
             </a:r>
             <a:r>
               <a:rPr lang="en-US" sz="2400" b="1" dirty="0" smtClean="0">
                 <a:latin typeface="Courier New" panose="02070309020205020404" pitchFamily="49" charset="0"/>
                 <a:cs typeface="Courier New" panose="02070309020205020404" pitchFamily="49" charset="0"/>
               </a:rPr>
-              <a:t>::operator=(rhs);</a:t>
+              <a:t> = rhs.sv;</a:t>
             </a:r>
           </a:p>
           <a:p>
@@ -17257,21 +17222,19 @@
                 <a:latin typeface="Courier New" panose="02070309020205020404" pitchFamily="49" charset="0"/>
                 <a:cs typeface="Courier New" panose="02070309020205020404" pitchFamily="49" charset="0"/>
               </a:rPr>
-              <a:t>  </a:t>
-            </a:r>
-            <a:r>
-              <a:rPr lang="en-US" sz="2400" b="1" dirty="0" err="1" smtClean="0">
-                <a:latin typeface="Courier New" panose="02070309020205020404" pitchFamily="49" charset="0"/>
-                <a:cs typeface="Courier New" panose="02070309020205020404" pitchFamily="49" charset="0"/>
-              </a:rPr>
-              <a:t>sv</a:t>
-            </a:r>
+              <a:t>  return *this;</a:t>
+            </a:r>
+          </a:p>
+          <a:p>
+            <a:pPr marL="0" indent="0">
+              <a:buNone/>
+            </a:pPr>
             <a:r>
               <a:rPr lang="en-US" sz="2400" b="1" dirty="0" smtClean="0">
                 <a:latin typeface="Courier New" panose="02070309020205020404" pitchFamily="49" charset="0"/>
                 <a:cs typeface="Courier New" panose="02070309020205020404" pitchFamily="49" charset="0"/>
               </a:rPr>
-              <a:t> = rhs.sv;</a:t>
+              <a:t>}</a:t>
             </a:r>
           </a:p>
           <a:p>
@@ -17283,45 +17246,7 @@
                 <a:latin typeface="Courier New" panose="02070309020205020404" pitchFamily="49" charset="0"/>
                 <a:cs typeface="Courier New" panose="02070309020205020404" pitchFamily="49" charset="0"/>
               </a:rPr>
-              <a:t>  return *this;</a:t>
-            </a:r>
-          </a:p>
-          <a:p>
-            <a:pPr marL="0" indent="0">
-              <a:buNone/>
-            </a:pPr>
-            <a:r>
-              <a:rPr lang="en-US" sz="2400" b="1" dirty="0" smtClean="0">
-                <a:latin typeface="Courier New" panose="02070309020205020404" pitchFamily="49" charset="0"/>
-                <a:cs typeface="Courier New" panose="02070309020205020404" pitchFamily="49" charset="0"/>
-              </a:rPr>
-              <a:t>}</a:t>
-            </a:r>
-          </a:p>
-          <a:p>
-            <a:pPr marL="0" indent="0">
-              <a:buNone/>
-            </a:pPr>
-            <a:r>
-              <a:rPr lang="en-US" sz="2400" b="1" dirty="0" smtClean="0">
-                <a:latin typeface="Courier New" panose="02070309020205020404" pitchFamily="49" charset="0"/>
-                <a:cs typeface="Courier New" panose="02070309020205020404" pitchFamily="49" charset="0"/>
-              </a:rPr>
-              <a:t>Foo&amp; </a:t>
-            </a:r>
-            <a:r>
-              <a:rPr lang="en-US" sz="2400" b="1" dirty="0" smtClean="0">
-                <a:latin typeface="Courier New" panose="02070309020205020404" pitchFamily="49" charset="0"/>
-                <a:cs typeface="Courier New" panose="02070309020205020404" pitchFamily="49" charset="0"/>
-              </a:rPr>
-              <a:t>Foo::operator(Foo</a:t>
-            </a:r>
-            <a:r>
-              <a:rPr lang="en-US" sz="2400" b="1" dirty="0" smtClean="0">
-                <a:latin typeface="Courier New" panose="02070309020205020404" pitchFamily="49" charset="0"/>
-                <a:cs typeface="Courier New" panose="02070309020205020404" pitchFamily="49" charset="0"/>
-              </a:rPr>
-              <a:t>&amp;&amp; rhs) </a:t>
+              <a:t>Foo&amp; Foo::operator(Foo&amp;&amp; rhs) </a:t>
             </a:r>
             <a:r>
               <a:rPr lang="en-US" sz="2400" b="1" dirty="0" smtClean="0">
@@ -18380,15 +18305,7 @@
             <a:pPr lvl="1"/>
             <a:r>
               <a:rPr lang="en-US" dirty="0" smtClean="0"/>
-              <a:t>It is </a:t>
-            </a:r>
-            <a:r>
-              <a:rPr lang="en-US" dirty="0" smtClean="0"/>
-              <a:t>deprecated</a:t>
-            </a:r>
-            <a:r>
-              <a:rPr lang="en-US" dirty="0" smtClean="0"/>
-              <a:t>.  If you declare any of the 3, the compiler should at the least issue a warning about implicit generation of the copy ctor or copy assign op.</a:t>
+              <a:t>It is deprecated.  If you declare any of the 3, the compiler should at the least issue a warning about implicit generation of the copy ctor or copy assign op.</a:t>
             </a:r>
           </a:p>
         </p:txBody>
@@ -20977,7 +20894,7 @@
           <a:p>
             <a:r>
               <a:rPr lang="en-US" dirty="0" smtClean="0"/>
-              <a:t>Move is stealing resources from one object and giving them in another instead of copying the resources.</a:t>
+              <a:t>Move is stealing resources from one object and giving them to another instead of copying the resources.</a:t>
             </a:r>
           </a:p>
           <a:p>
